--- a/Dissertation/Diagrams.pptx
+++ b/Dissertation/Diagrams.pptx
@@ -109,6 +109,11 @@
       </a:defRPr>
     </a:lvl9pPr>
   </p:defaultTextStyle>
+  <p:extLst>
+    <p:ext uri="{EFAFB233-063F-42B5-8137-9DF3F51BA10A}">
+      <p15:sldGuideLst xmlns:p15="http://schemas.microsoft.com/office/powerpoint/2012/main"/>
+    </p:ext>
+  </p:extLst>
 </p:presentation>
 </file>
 
@@ -261,7 +266,7 @@
           <a:p>
             <a:fld id="{B10C9995-88F4-41EB-BF2C-4DEEF6073B26}" type="datetimeFigureOut">
               <a:rPr lang="en-GB" smtClean="0"/>
-              <a:t>28/06/2022</a:t>
+              <a:t>04/08/2022</a:t>
             </a:fld>
             <a:endParaRPr lang="en-GB"/>
           </a:p>
@@ -461,7 +466,7 @@
           <a:p>
             <a:fld id="{B10C9995-88F4-41EB-BF2C-4DEEF6073B26}" type="datetimeFigureOut">
               <a:rPr lang="en-GB" smtClean="0"/>
-              <a:t>28/06/2022</a:t>
+              <a:t>04/08/2022</a:t>
             </a:fld>
             <a:endParaRPr lang="en-GB"/>
           </a:p>
@@ -671,7 +676,7 @@
           <a:p>
             <a:fld id="{B10C9995-88F4-41EB-BF2C-4DEEF6073B26}" type="datetimeFigureOut">
               <a:rPr lang="en-GB" smtClean="0"/>
-              <a:t>28/06/2022</a:t>
+              <a:t>04/08/2022</a:t>
             </a:fld>
             <a:endParaRPr lang="en-GB"/>
           </a:p>
@@ -871,7 +876,7 @@
           <a:p>
             <a:fld id="{B10C9995-88F4-41EB-BF2C-4DEEF6073B26}" type="datetimeFigureOut">
               <a:rPr lang="en-GB" smtClean="0"/>
-              <a:t>28/06/2022</a:t>
+              <a:t>04/08/2022</a:t>
             </a:fld>
             <a:endParaRPr lang="en-GB"/>
           </a:p>
@@ -1147,7 +1152,7 @@
           <a:p>
             <a:fld id="{B10C9995-88F4-41EB-BF2C-4DEEF6073B26}" type="datetimeFigureOut">
               <a:rPr lang="en-GB" smtClean="0"/>
-              <a:t>28/06/2022</a:t>
+              <a:t>04/08/2022</a:t>
             </a:fld>
             <a:endParaRPr lang="en-GB"/>
           </a:p>
@@ -1415,7 +1420,7 @@
           <a:p>
             <a:fld id="{B10C9995-88F4-41EB-BF2C-4DEEF6073B26}" type="datetimeFigureOut">
               <a:rPr lang="en-GB" smtClean="0"/>
-              <a:t>28/06/2022</a:t>
+              <a:t>04/08/2022</a:t>
             </a:fld>
             <a:endParaRPr lang="en-GB"/>
           </a:p>
@@ -1830,7 +1835,7 @@
           <a:p>
             <a:fld id="{B10C9995-88F4-41EB-BF2C-4DEEF6073B26}" type="datetimeFigureOut">
               <a:rPr lang="en-GB" smtClean="0"/>
-              <a:t>28/06/2022</a:t>
+              <a:t>04/08/2022</a:t>
             </a:fld>
             <a:endParaRPr lang="en-GB"/>
           </a:p>
@@ -1972,7 +1977,7 @@
           <a:p>
             <a:fld id="{B10C9995-88F4-41EB-BF2C-4DEEF6073B26}" type="datetimeFigureOut">
               <a:rPr lang="en-GB" smtClean="0"/>
-              <a:t>28/06/2022</a:t>
+              <a:t>04/08/2022</a:t>
             </a:fld>
             <a:endParaRPr lang="en-GB"/>
           </a:p>
@@ -2085,7 +2090,7 @@
           <a:p>
             <a:fld id="{B10C9995-88F4-41EB-BF2C-4DEEF6073B26}" type="datetimeFigureOut">
               <a:rPr lang="en-GB" smtClean="0"/>
-              <a:t>28/06/2022</a:t>
+              <a:t>04/08/2022</a:t>
             </a:fld>
             <a:endParaRPr lang="en-GB"/>
           </a:p>
@@ -2398,7 +2403,7 @@
           <a:p>
             <a:fld id="{B10C9995-88F4-41EB-BF2C-4DEEF6073B26}" type="datetimeFigureOut">
               <a:rPr lang="en-GB" smtClean="0"/>
-              <a:t>28/06/2022</a:t>
+              <a:t>04/08/2022</a:t>
             </a:fld>
             <a:endParaRPr lang="en-GB"/>
           </a:p>
@@ -2687,7 +2692,7 @@
           <a:p>
             <a:fld id="{B10C9995-88F4-41EB-BF2C-4DEEF6073B26}" type="datetimeFigureOut">
               <a:rPr lang="en-GB" smtClean="0"/>
-              <a:t>28/06/2022</a:t>
+              <a:t>04/08/2022</a:t>
             </a:fld>
             <a:endParaRPr lang="en-GB"/>
           </a:p>
@@ -2930,7 +2935,7 @@
           <a:p>
             <a:fld id="{B10C9995-88F4-41EB-BF2C-4DEEF6073B26}" type="datetimeFigureOut">
               <a:rPr lang="en-GB" smtClean="0"/>
-              <a:t>28/06/2022</a:t>
+              <a:t>04/08/2022</a:t>
             </a:fld>
             <a:endParaRPr lang="en-GB"/>
           </a:p>
@@ -5134,10 +5139,10 @@
       </p:grpSpPr>
       <p:grpSp>
         <p:nvGrpSpPr>
-          <p:cNvPr id="22" name="Group 21">
+          <p:cNvPr id="51" name="Group 50">
             <a:extLst>
               <a:ext uri="{FF2B5EF4-FFF2-40B4-BE49-F238E27FC236}">
-                <a16:creationId xmlns:a16="http://schemas.microsoft.com/office/drawing/2014/main" id="{BF374A73-3A71-A56B-43F8-794C34F43DE5}"/>
+                <a16:creationId xmlns:a16="http://schemas.microsoft.com/office/drawing/2014/main" id="{C471DDDE-CB89-0DC9-481A-EE916DB2D72B}"/>
               </a:ext>
             </a:extLst>
           </p:cNvPr>
@@ -5146,12 +5151,537 @@
         </p:nvGrpSpPr>
         <p:grpSpPr>
           <a:xfrm>
-            <a:off x="3574741" y="2376565"/>
-            <a:ext cx="5038079" cy="1184885"/>
-            <a:chOff x="3574741" y="2376565"/>
-            <a:chExt cx="5038079" cy="1184885"/>
+            <a:off x="3574741" y="1896380"/>
+            <a:ext cx="5038079" cy="3512154"/>
+            <a:chOff x="3574741" y="1896380"/>
+            <a:chExt cx="5038079" cy="3512154"/>
           </a:xfrm>
         </p:grpSpPr>
+        <p:grpSp>
+          <p:nvGrpSpPr>
+            <p:cNvPr id="7" name="Group 6">
+              <a:extLst>
+                <a:ext uri="{FF2B5EF4-FFF2-40B4-BE49-F238E27FC236}">
+                  <a16:creationId xmlns:a16="http://schemas.microsoft.com/office/drawing/2014/main" id="{A33A98E8-E19C-22B3-5BD7-4B9F8BD530CD}"/>
+                </a:ext>
+              </a:extLst>
+            </p:cNvPr>
+            <p:cNvGrpSpPr/>
+            <p:nvPr/>
+          </p:nvGrpSpPr>
+          <p:grpSpPr>
+            <a:xfrm>
+              <a:off x="3818877" y="4367814"/>
+              <a:ext cx="1518082" cy="898258"/>
+              <a:chOff x="3818877" y="4367814"/>
+              <a:chExt cx="1518082" cy="898258"/>
+            </a:xfrm>
+          </p:grpSpPr>
+          <p:cxnSp>
+            <p:nvCxnSpPr>
+              <p:cNvPr id="3" name="Straight Connector 2">
+                <a:extLst>
+                  <a:ext uri="{FF2B5EF4-FFF2-40B4-BE49-F238E27FC236}">
+                    <a16:creationId xmlns:a16="http://schemas.microsoft.com/office/drawing/2014/main" id="{9C16D6C5-9946-9E8C-5744-9F362731D092}"/>
+                  </a:ext>
+                </a:extLst>
+              </p:cNvPr>
+              <p:cNvCxnSpPr/>
+              <p:nvPr/>
+            </p:nvCxnSpPr>
+            <p:spPr>
+              <a:xfrm flipV="1">
+                <a:off x="3818877" y="4367814"/>
+                <a:ext cx="1054964" cy="426128"/>
+              </a:xfrm>
+              <a:prstGeom prst="line">
+                <a:avLst/>
+              </a:prstGeom>
+              <a:ln w="28575"/>
+            </p:spPr>
+            <p:style>
+              <a:lnRef idx="3">
+                <a:schemeClr val="dk1"/>
+              </a:lnRef>
+              <a:fillRef idx="0">
+                <a:schemeClr val="dk1"/>
+              </a:fillRef>
+              <a:effectRef idx="2">
+                <a:schemeClr val="dk1"/>
+              </a:effectRef>
+              <a:fontRef idx="minor">
+                <a:schemeClr val="tx1"/>
+              </a:fontRef>
+            </p:style>
+          </p:cxnSp>
+          <p:cxnSp>
+            <p:nvCxnSpPr>
+              <p:cNvPr id="38" name="Straight Connector 37">
+                <a:extLst>
+                  <a:ext uri="{FF2B5EF4-FFF2-40B4-BE49-F238E27FC236}">
+                    <a16:creationId xmlns:a16="http://schemas.microsoft.com/office/drawing/2014/main" id="{B51F7B5F-E044-C0D7-07F8-C2D0005C260A}"/>
+                  </a:ext>
+                </a:extLst>
+              </p:cNvPr>
+              <p:cNvCxnSpPr>
+                <a:cxnSpLocks/>
+              </p:cNvCxnSpPr>
+              <p:nvPr/>
+            </p:nvCxnSpPr>
+            <p:spPr>
+              <a:xfrm>
+                <a:off x="3818877" y="4796690"/>
+                <a:ext cx="1063101" cy="467607"/>
+              </a:xfrm>
+              <a:prstGeom prst="line">
+                <a:avLst/>
+              </a:prstGeom>
+              <a:ln w="28575"/>
+            </p:spPr>
+            <p:style>
+              <a:lnRef idx="3">
+                <a:schemeClr val="dk1"/>
+              </a:lnRef>
+              <a:fillRef idx="0">
+                <a:schemeClr val="dk1"/>
+              </a:fillRef>
+              <a:effectRef idx="2">
+                <a:schemeClr val="dk1"/>
+              </a:effectRef>
+              <a:fontRef idx="minor">
+                <a:schemeClr val="tx1"/>
+              </a:fontRef>
+            </p:style>
+          </p:cxnSp>
+          <p:cxnSp>
+            <p:nvCxnSpPr>
+              <p:cNvPr id="39" name="Straight Connector 38">
+                <a:extLst>
+                  <a:ext uri="{FF2B5EF4-FFF2-40B4-BE49-F238E27FC236}">
+                    <a16:creationId xmlns:a16="http://schemas.microsoft.com/office/drawing/2014/main" id="{19D7A1B4-44FB-FAB8-4001-A76D4DFFCBA2}"/>
+                  </a:ext>
+                </a:extLst>
+              </p:cNvPr>
+              <p:cNvCxnSpPr>
+                <a:cxnSpLocks/>
+              </p:cNvCxnSpPr>
+              <p:nvPr/>
+            </p:nvCxnSpPr>
+            <p:spPr>
+              <a:xfrm flipH="1">
+                <a:off x="4881978" y="4796690"/>
+                <a:ext cx="454981" cy="469382"/>
+              </a:xfrm>
+              <a:prstGeom prst="line">
+                <a:avLst/>
+              </a:prstGeom>
+              <a:ln w="28575"/>
+            </p:spPr>
+            <p:style>
+              <a:lnRef idx="3">
+                <a:schemeClr val="dk1"/>
+              </a:lnRef>
+              <a:fillRef idx="0">
+                <a:schemeClr val="dk1"/>
+              </a:fillRef>
+              <a:effectRef idx="2">
+                <a:schemeClr val="dk1"/>
+              </a:effectRef>
+              <a:fontRef idx="minor">
+                <a:schemeClr val="tx1"/>
+              </a:fontRef>
+            </p:style>
+          </p:cxnSp>
+          <p:cxnSp>
+            <p:nvCxnSpPr>
+              <p:cNvPr id="40" name="Straight Connector 39">
+                <a:extLst>
+                  <a:ext uri="{FF2B5EF4-FFF2-40B4-BE49-F238E27FC236}">
+                    <a16:creationId xmlns:a16="http://schemas.microsoft.com/office/drawing/2014/main" id="{5ACAA479-F6C1-8A43-0D3B-A1044F6514D2}"/>
+                  </a:ext>
+                </a:extLst>
+              </p:cNvPr>
+              <p:cNvCxnSpPr>
+                <a:cxnSpLocks/>
+              </p:cNvCxnSpPr>
+              <p:nvPr/>
+            </p:nvCxnSpPr>
+            <p:spPr>
+              <a:xfrm flipH="1" flipV="1">
+                <a:off x="4873841" y="4378820"/>
+                <a:ext cx="450911" cy="429443"/>
+              </a:xfrm>
+              <a:prstGeom prst="line">
+                <a:avLst/>
+              </a:prstGeom>
+              <a:ln w="28575"/>
+            </p:spPr>
+            <p:style>
+              <a:lnRef idx="3">
+                <a:schemeClr val="dk1"/>
+              </a:lnRef>
+              <a:fillRef idx="0">
+                <a:schemeClr val="dk1"/>
+              </a:fillRef>
+              <a:effectRef idx="2">
+                <a:schemeClr val="dk1"/>
+              </a:effectRef>
+              <a:fontRef idx="minor">
+                <a:schemeClr val="tx1"/>
+              </a:fontRef>
+            </p:style>
+          </p:cxnSp>
+        </p:grpSp>
+        <p:grpSp>
+          <p:nvGrpSpPr>
+            <p:cNvPr id="41" name="Group 40">
+              <a:extLst>
+                <a:ext uri="{FF2B5EF4-FFF2-40B4-BE49-F238E27FC236}">
+                  <a16:creationId xmlns:a16="http://schemas.microsoft.com/office/drawing/2014/main" id="{3544AB1A-D632-E721-5783-0741D0677254}"/>
+                </a:ext>
+              </a:extLst>
+            </p:cNvPr>
+            <p:cNvGrpSpPr/>
+            <p:nvPr/>
+          </p:nvGrpSpPr>
+          <p:grpSpPr>
+            <a:xfrm>
+              <a:off x="5356193" y="4380300"/>
+              <a:ext cx="1518082" cy="898258"/>
+              <a:chOff x="3818877" y="4367814"/>
+              <a:chExt cx="1518082" cy="898258"/>
+            </a:xfrm>
+          </p:grpSpPr>
+          <p:cxnSp>
+            <p:nvCxnSpPr>
+              <p:cNvPr id="42" name="Straight Connector 41">
+                <a:extLst>
+                  <a:ext uri="{FF2B5EF4-FFF2-40B4-BE49-F238E27FC236}">
+                    <a16:creationId xmlns:a16="http://schemas.microsoft.com/office/drawing/2014/main" id="{164AC8BC-DC9C-D851-E146-6E8E703F9275}"/>
+                  </a:ext>
+                </a:extLst>
+              </p:cNvPr>
+              <p:cNvCxnSpPr/>
+              <p:nvPr/>
+            </p:nvCxnSpPr>
+            <p:spPr>
+              <a:xfrm flipV="1">
+                <a:off x="3818877" y="4367814"/>
+                <a:ext cx="1054964" cy="426128"/>
+              </a:xfrm>
+              <a:prstGeom prst="line">
+                <a:avLst/>
+              </a:prstGeom>
+              <a:ln w="28575"/>
+            </p:spPr>
+            <p:style>
+              <a:lnRef idx="3">
+                <a:schemeClr val="dk1"/>
+              </a:lnRef>
+              <a:fillRef idx="0">
+                <a:schemeClr val="dk1"/>
+              </a:fillRef>
+              <a:effectRef idx="2">
+                <a:schemeClr val="dk1"/>
+              </a:effectRef>
+              <a:fontRef idx="minor">
+                <a:schemeClr val="tx1"/>
+              </a:fontRef>
+            </p:style>
+          </p:cxnSp>
+          <p:cxnSp>
+            <p:nvCxnSpPr>
+              <p:cNvPr id="43" name="Straight Connector 42">
+                <a:extLst>
+                  <a:ext uri="{FF2B5EF4-FFF2-40B4-BE49-F238E27FC236}">
+                    <a16:creationId xmlns:a16="http://schemas.microsoft.com/office/drawing/2014/main" id="{9A923F43-20B6-7891-5B37-7FF8B280E0A5}"/>
+                  </a:ext>
+                </a:extLst>
+              </p:cNvPr>
+              <p:cNvCxnSpPr>
+                <a:cxnSpLocks/>
+              </p:cNvCxnSpPr>
+              <p:nvPr/>
+            </p:nvCxnSpPr>
+            <p:spPr>
+              <a:xfrm>
+                <a:off x="3818877" y="4796690"/>
+                <a:ext cx="1063101" cy="467607"/>
+              </a:xfrm>
+              <a:prstGeom prst="line">
+                <a:avLst/>
+              </a:prstGeom>
+              <a:ln w="28575"/>
+            </p:spPr>
+            <p:style>
+              <a:lnRef idx="3">
+                <a:schemeClr val="dk1"/>
+              </a:lnRef>
+              <a:fillRef idx="0">
+                <a:schemeClr val="dk1"/>
+              </a:fillRef>
+              <a:effectRef idx="2">
+                <a:schemeClr val="dk1"/>
+              </a:effectRef>
+              <a:fontRef idx="minor">
+                <a:schemeClr val="tx1"/>
+              </a:fontRef>
+            </p:style>
+          </p:cxnSp>
+          <p:cxnSp>
+            <p:nvCxnSpPr>
+              <p:cNvPr id="44" name="Straight Connector 43">
+                <a:extLst>
+                  <a:ext uri="{FF2B5EF4-FFF2-40B4-BE49-F238E27FC236}">
+                    <a16:creationId xmlns:a16="http://schemas.microsoft.com/office/drawing/2014/main" id="{1C85923A-76C0-31D1-14C8-D7C2AC027091}"/>
+                  </a:ext>
+                </a:extLst>
+              </p:cNvPr>
+              <p:cNvCxnSpPr>
+                <a:cxnSpLocks/>
+              </p:cNvCxnSpPr>
+              <p:nvPr/>
+            </p:nvCxnSpPr>
+            <p:spPr>
+              <a:xfrm flipH="1">
+                <a:off x="4881978" y="4796690"/>
+                <a:ext cx="454981" cy="469382"/>
+              </a:xfrm>
+              <a:prstGeom prst="line">
+                <a:avLst/>
+              </a:prstGeom>
+              <a:ln w="28575"/>
+            </p:spPr>
+            <p:style>
+              <a:lnRef idx="3">
+                <a:schemeClr val="dk1"/>
+              </a:lnRef>
+              <a:fillRef idx="0">
+                <a:schemeClr val="dk1"/>
+              </a:fillRef>
+              <a:effectRef idx="2">
+                <a:schemeClr val="dk1"/>
+              </a:effectRef>
+              <a:fontRef idx="minor">
+                <a:schemeClr val="tx1"/>
+              </a:fontRef>
+            </p:style>
+          </p:cxnSp>
+          <p:cxnSp>
+            <p:nvCxnSpPr>
+              <p:cNvPr id="45" name="Straight Connector 44">
+                <a:extLst>
+                  <a:ext uri="{FF2B5EF4-FFF2-40B4-BE49-F238E27FC236}">
+                    <a16:creationId xmlns:a16="http://schemas.microsoft.com/office/drawing/2014/main" id="{A6D455DF-C31B-421F-7990-0360463CF780}"/>
+                  </a:ext>
+                </a:extLst>
+              </p:cNvPr>
+              <p:cNvCxnSpPr>
+                <a:cxnSpLocks/>
+              </p:cNvCxnSpPr>
+              <p:nvPr/>
+            </p:nvCxnSpPr>
+            <p:spPr>
+              <a:xfrm flipH="1" flipV="1">
+                <a:off x="4873841" y="4378820"/>
+                <a:ext cx="450911" cy="429443"/>
+              </a:xfrm>
+              <a:prstGeom prst="line">
+                <a:avLst/>
+              </a:prstGeom>
+              <a:ln w="28575"/>
+            </p:spPr>
+            <p:style>
+              <a:lnRef idx="3">
+                <a:schemeClr val="dk1"/>
+              </a:lnRef>
+              <a:fillRef idx="0">
+                <a:schemeClr val="dk1"/>
+              </a:fillRef>
+              <a:effectRef idx="2">
+                <a:schemeClr val="dk1"/>
+              </a:effectRef>
+              <a:fontRef idx="minor">
+                <a:schemeClr val="tx1"/>
+              </a:fontRef>
+            </p:style>
+          </p:cxnSp>
+        </p:grpSp>
+        <p:grpSp>
+          <p:nvGrpSpPr>
+            <p:cNvPr id="46" name="Group 45">
+              <a:extLst>
+                <a:ext uri="{FF2B5EF4-FFF2-40B4-BE49-F238E27FC236}">
+                  <a16:creationId xmlns:a16="http://schemas.microsoft.com/office/drawing/2014/main" id="{08A721D0-4312-C05E-8475-2B8939A7A57A}"/>
+                </a:ext>
+              </a:extLst>
+            </p:cNvPr>
+            <p:cNvGrpSpPr/>
+            <p:nvPr/>
+          </p:nvGrpSpPr>
+          <p:grpSpPr>
+            <a:xfrm>
+              <a:off x="6882412" y="4382134"/>
+              <a:ext cx="1518082" cy="898258"/>
+              <a:chOff x="3818877" y="4367814"/>
+              <a:chExt cx="1518082" cy="898258"/>
+            </a:xfrm>
+          </p:grpSpPr>
+          <p:cxnSp>
+            <p:nvCxnSpPr>
+              <p:cNvPr id="47" name="Straight Connector 46">
+                <a:extLst>
+                  <a:ext uri="{FF2B5EF4-FFF2-40B4-BE49-F238E27FC236}">
+                    <a16:creationId xmlns:a16="http://schemas.microsoft.com/office/drawing/2014/main" id="{4331584B-63E3-E44B-EF7B-6A790E648603}"/>
+                  </a:ext>
+                </a:extLst>
+              </p:cNvPr>
+              <p:cNvCxnSpPr/>
+              <p:nvPr/>
+            </p:nvCxnSpPr>
+            <p:spPr>
+              <a:xfrm flipV="1">
+                <a:off x="3818877" y="4367814"/>
+                <a:ext cx="1054964" cy="426128"/>
+              </a:xfrm>
+              <a:prstGeom prst="line">
+                <a:avLst/>
+              </a:prstGeom>
+              <a:ln w="28575"/>
+            </p:spPr>
+            <p:style>
+              <a:lnRef idx="3">
+                <a:schemeClr val="dk1"/>
+              </a:lnRef>
+              <a:fillRef idx="0">
+                <a:schemeClr val="dk1"/>
+              </a:fillRef>
+              <a:effectRef idx="2">
+                <a:schemeClr val="dk1"/>
+              </a:effectRef>
+              <a:fontRef idx="minor">
+                <a:schemeClr val="tx1"/>
+              </a:fontRef>
+            </p:style>
+          </p:cxnSp>
+          <p:cxnSp>
+            <p:nvCxnSpPr>
+              <p:cNvPr id="48" name="Straight Connector 47">
+                <a:extLst>
+                  <a:ext uri="{FF2B5EF4-FFF2-40B4-BE49-F238E27FC236}">
+                    <a16:creationId xmlns:a16="http://schemas.microsoft.com/office/drawing/2014/main" id="{7AAFD8B5-371E-A7A4-9AC8-68B4D48A9A89}"/>
+                  </a:ext>
+                </a:extLst>
+              </p:cNvPr>
+              <p:cNvCxnSpPr>
+                <a:cxnSpLocks/>
+              </p:cNvCxnSpPr>
+              <p:nvPr/>
+            </p:nvCxnSpPr>
+            <p:spPr>
+              <a:xfrm>
+                <a:off x="3818877" y="4796690"/>
+                <a:ext cx="1063101" cy="467607"/>
+              </a:xfrm>
+              <a:prstGeom prst="line">
+                <a:avLst/>
+              </a:prstGeom>
+              <a:ln w="28575"/>
+            </p:spPr>
+            <p:style>
+              <a:lnRef idx="3">
+                <a:schemeClr val="dk1"/>
+              </a:lnRef>
+              <a:fillRef idx="0">
+                <a:schemeClr val="dk1"/>
+              </a:fillRef>
+              <a:effectRef idx="2">
+                <a:schemeClr val="dk1"/>
+              </a:effectRef>
+              <a:fontRef idx="minor">
+                <a:schemeClr val="tx1"/>
+              </a:fontRef>
+            </p:style>
+          </p:cxnSp>
+          <p:cxnSp>
+            <p:nvCxnSpPr>
+              <p:cNvPr id="49" name="Straight Connector 48">
+                <a:extLst>
+                  <a:ext uri="{FF2B5EF4-FFF2-40B4-BE49-F238E27FC236}">
+                    <a16:creationId xmlns:a16="http://schemas.microsoft.com/office/drawing/2014/main" id="{7ADADCE6-6027-9C6B-E395-E4A1FE7D9582}"/>
+                  </a:ext>
+                </a:extLst>
+              </p:cNvPr>
+              <p:cNvCxnSpPr>
+                <a:cxnSpLocks/>
+              </p:cNvCxnSpPr>
+              <p:nvPr/>
+            </p:nvCxnSpPr>
+            <p:spPr>
+              <a:xfrm flipH="1">
+                <a:off x="4881978" y="4796690"/>
+                <a:ext cx="454981" cy="469382"/>
+              </a:xfrm>
+              <a:prstGeom prst="line">
+                <a:avLst/>
+              </a:prstGeom>
+              <a:ln w="28575"/>
+            </p:spPr>
+            <p:style>
+              <a:lnRef idx="3">
+                <a:schemeClr val="dk1"/>
+              </a:lnRef>
+              <a:fillRef idx="0">
+                <a:schemeClr val="dk1"/>
+              </a:fillRef>
+              <a:effectRef idx="2">
+                <a:schemeClr val="dk1"/>
+              </a:effectRef>
+              <a:fontRef idx="minor">
+                <a:schemeClr val="tx1"/>
+              </a:fontRef>
+            </p:style>
+          </p:cxnSp>
+          <p:cxnSp>
+            <p:nvCxnSpPr>
+              <p:cNvPr id="50" name="Straight Connector 49">
+                <a:extLst>
+                  <a:ext uri="{FF2B5EF4-FFF2-40B4-BE49-F238E27FC236}">
+                    <a16:creationId xmlns:a16="http://schemas.microsoft.com/office/drawing/2014/main" id="{487DACDD-E847-951A-0EB2-A1CEFD7B3C1C}"/>
+                  </a:ext>
+                </a:extLst>
+              </p:cNvPr>
+              <p:cNvCxnSpPr>
+                <a:cxnSpLocks/>
+              </p:cNvCxnSpPr>
+              <p:nvPr/>
+            </p:nvCxnSpPr>
+            <p:spPr>
+              <a:xfrm flipH="1" flipV="1">
+                <a:off x="4873841" y="4378820"/>
+                <a:ext cx="450911" cy="429443"/>
+              </a:xfrm>
+              <a:prstGeom prst="line">
+                <a:avLst/>
+              </a:prstGeom>
+              <a:ln w="28575"/>
+            </p:spPr>
+            <p:style>
+              <a:lnRef idx="3">
+                <a:schemeClr val="dk1"/>
+              </a:lnRef>
+              <a:fillRef idx="0">
+                <a:schemeClr val="dk1"/>
+              </a:fillRef>
+              <a:effectRef idx="2">
+                <a:schemeClr val="dk1"/>
+              </a:effectRef>
+              <a:fontRef idx="minor">
+                <a:schemeClr val="tx1"/>
+              </a:fontRef>
+            </p:style>
+          </p:cxnSp>
+        </p:grpSp>
         <p:sp>
           <p:nvSpPr>
             <p:cNvPr id="8" name="Diamond 7">
@@ -5898,6 +6428,670 @@
             </a:p>
           </p:txBody>
         </p:sp>
+        <p:sp>
+          <p:nvSpPr>
+            <p:cNvPr id="26" name="Oval 25">
+              <a:extLst>
+                <a:ext uri="{FF2B5EF4-FFF2-40B4-BE49-F238E27FC236}">
+                  <a16:creationId xmlns:a16="http://schemas.microsoft.com/office/drawing/2014/main" id="{D25E6031-A26D-CBAB-2085-786DEC44B7D7}"/>
+                </a:ext>
+              </a:extLst>
+            </p:cNvPr>
+            <p:cNvSpPr/>
+            <p:nvPr/>
+          </p:nvSpPr>
+          <p:spPr>
+            <a:xfrm>
+              <a:off x="8124548" y="4554682"/>
+              <a:ext cx="488272" cy="488272"/>
+            </a:xfrm>
+            <a:prstGeom prst="ellipse">
+              <a:avLst/>
+            </a:prstGeom>
+            <a:solidFill>
+              <a:srgbClr val="FF0000"/>
+            </a:solidFill>
+            <a:ln>
+              <a:noFill/>
+            </a:ln>
+            <a:effectLst>
+              <a:innerShdw blurRad="63500" dist="50800" dir="8100000">
+                <a:prstClr val="black">
+                  <a:alpha val="50000"/>
+                </a:prstClr>
+              </a:innerShdw>
+            </a:effectLst>
+          </p:spPr>
+          <p:style>
+            <a:lnRef idx="2">
+              <a:schemeClr val="dk1">
+                <a:shade val="50000"/>
+              </a:schemeClr>
+            </a:lnRef>
+            <a:fillRef idx="1">
+              <a:schemeClr val="dk1"/>
+            </a:fillRef>
+            <a:effectRef idx="0">
+              <a:schemeClr val="dk1"/>
+            </a:effectRef>
+            <a:fontRef idx="minor">
+              <a:schemeClr val="lt1"/>
+            </a:fontRef>
+          </p:style>
+          <p:txBody>
+            <a:bodyPr rtlCol="0" anchor="ctr"/>
+            <a:lstStyle/>
+            <a:p>
+              <a:pPr algn="ctr"/>
+              <a:endParaRPr lang="en-GB"/>
+            </a:p>
+          </p:txBody>
+        </p:sp>
+        <p:sp>
+          <p:nvSpPr>
+            <p:cNvPr id="27" name="Oval 26">
+              <a:extLst>
+                <a:ext uri="{FF2B5EF4-FFF2-40B4-BE49-F238E27FC236}">
+                  <a16:creationId xmlns:a16="http://schemas.microsoft.com/office/drawing/2014/main" id="{DF7F01CF-D4A7-1A9E-0ABE-5F0E2158B68E}"/>
+                </a:ext>
+              </a:extLst>
+            </p:cNvPr>
+            <p:cNvSpPr/>
+            <p:nvPr/>
+          </p:nvSpPr>
+          <p:spPr>
+            <a:xfrm>
+              <a:off x="4743635" y="5131847"/>
+              <a:ext cx="276687" cy="276687"/>
+            </a:xfrm>
+            <a:prstGeom prst="ellipse">
+              <a:avLst/>
+            </a:prstGeom>
+            <a:solidFill>
+              <a:srgbClr val="FFFF00"/>
+            </a:solidFill>
+            <a:ln>
+              <a:noFill/>
+            </a:ln>
+            <a:effectLst>
+              <a:innerShdw blurRad="63500" dist="50800" dir="8100000">
+                <a:prstClr val="black">
+                  <a:alpha val="50000"/>
+                </a:prstClr>
+              </a:innerShdw>
+            </a:effectLst>
+          </p:spPr>
+          <p:style>
+            <a:lnRef idx="2">
+              <a:schemeClr val="accent4">
+                <a:shade val="50000"/>
+              </a:schemeClr>
+            </a:lnRef>
+            <a:fillRef idx="1">
+              <a:schemeClr val="accent4"/>
+            </a:fillRef>
+            <a:effectRef idx="0">
+              <a:schemeClr val="accent4"/>
+            </a:effectRef>
+            <a:fontRef idx="minor">
+              <a:schemeClr val="lt1"/>
+            </a:fontRef>
+          </p:style>
+          <p:txBody>
+            <a:bodyPr rtlCol="0" anchor="ctr"/>
+            <a:lstStyle/>
+            <a:p>
+              <a:pPr algn="ctr"/>
+              <a:endParaRPr lang="en-GB"/>
+            </a:p>
+          </p:txBody>
+        </p:sp>
+        <p:sp>
+          <p:nvSpPr>
+            <p:cNvPr id="28" name="Oval 27">
+              <a:extLst>
+                <a:ext uri="{FF2B5EF4-FFF2-40B4-BE49-F238E27FC236}">
+                  <a16:creationId xmlns:a16="http://schemas.microsoft.com/office/drawing/2014/main" id="{15869FB6-36B9-2D01-C6F2-88A4CA86D86A}"/>
+                </a:ext>
+              </a:extLst>
+            </p:cNvPr>
+            <p:cNvSpPr/>
+            <p:nvPr/>
+          </p:nvSpPr>
+          <p:spPr>
+            <a:xfrm>
+              <a:off x="3574741" y="4556298"/>
+              <a:ext cx="488272" cy="488272"/>
+            </a:xfrm>
+            <a:prstGeom prst="ellipse">
+              <a:avLst/>
+            </a:prstGeom>
+            <a:solidFill>
+              <a:srgbClr val="FF0000"/>
+            </a:solidFill>
+            <a:ln>
+              <a:noFill/>
+            </a:ln>
+            <a:effectLst>
+              <a:innerShdw blurRad="63500" dist="50800" dir="8100000">
+                <a:prstClr val="black">
+                  <a:alpha val="50000"/>
+                </a:prstClr>
+              </a:innerShdw>
+            </a:effectLst>
+          </p:spPr>
+          <p:style>
+            <a:lnRef idx="2">
+              <a:schemeClr val="dk1">
+                <a:shade val="50000"/>
+              </a:schemeClr>
+            </a:lnRef>
+            <a:fillRef idx="1">
+              <a:schemeClr val="dk1"/>
+            </a:fillRef>
+            <a:effectRef idx="0">
+              <a:schemeClr val="dk1"/>
+            </a:effectRef>
+            <a:fontRef idx="minor">
+              <a:schemeClr val="lt1"/>
+            </a:fontRef>
+          </p:style>
+          <p:txBody>
+            <a:bodyPr rtlCol="0" anchor="ctr"/>
+            <a:lstStyle/>
+            <a:p>
+              <a:pPr algn="ctr"/>
+              <a:endParaRPr lang="en-GB"/>
+            </a:p>
+          </p:txBody>
+        </p:sp>
+        <p:sp>
+          <p:nvSpPr>
+            <p:cNvPr id="29" name="Oval 28">
+              <a:extLst>
+                <a:ext uri="{FF2B5EF4-FFF2-40B4-BE49-F238E27FC236}">
+                  <a16:creationId xmlns:a16="http://schemas.microsoft.com/office/drawing/2014/main" id="{098EB99E-DE32-0BD0-11AF-E7D3FEFB7BE2}"/>
+                </a:ext>
+              </a:extLst>
+            </p:cNvPr>
+            <p:cNvSpPr/>
+            <p:nvPr/>
+          </p:nvSpPr>
+          <p:spPr>
+            <a:xfrm>
+              <a:off x="4741416" y="4225265"/>
+              <a:ext cx="276687" cy="276687"/>
+            </a:xfrm>
+            <a:prstGeom prst="ellipse">
+              <a:avLst/>
+            </a:prstGeom>
+            <a:solidFill>
+              <a:srgbClr val="FFFF00"/>
+            </a:solidFill>
+            <a:ln>
+              <a:noFill/>
+            </a:ln>
+            <a:effectLst>
+              <a:innerShdw blurRad="63500" dist="50800" dir="8100000">
+                <a:prstClr val="black">
+                  <a:alpha val="50000"/>
+                </a:prstClr>
+              </a:innerShdw>
+            </a:effectLst>
+          </p:spPr>
+          <p:style>
+            <a:lnRef idx="2">
+              <a:schemeClr val="accent4">
+                <a:shade val="50000"/>
+              </a:schemeClr>
+            </a:lnRef>
+            <a:fillRef idx="1">
+              <a:schemeClr val="accent4"/>
+            </a:fillRef>
+            <a:effectRef idx="0">
+              <a:schemeClr val="accent4"/>
+            </a:effectRef>
+            <a:fontRef idx="minor">
+              <a:schemeClr val="lt1"/>
+            </a:fontRef>
+          </p:style>
+          <p:txBody>
+            <a:bodyPr rtlCol="0" anchor="ctr"/>
+            <a:lstStyle/>
+            <a:p>
+              <a:pPr algn="ctr"/>
+              <a:endParaRPr lang="en-GB"/>
+            </a:p>
+          </p:txBody>
+        </p:sp>
+        <p:sp>
+          <p:nvSpPr>
+            <p:cNvPr id="30" name="Oval 29">
+              <a:extLst>
+                <a:ext uri="{FF2B5EF4-FFF2-40B4-BE49-F238E27FC236}">
+                  <a16:creationId xmlns:a16="http://schemas.microsoft.com/office/drawing/2014/main" id="{9AAFD2E4-E758-2EE0-BA27-84C420E3C993}"/>
+                </a:ext>
+              </a:extLst>
+            </p:cNvPr>
+            <p:cNvSpPr/>
+            <p:nvPr/>
+          </p:nvSpPr>
+          <p:spPr>
+            <a:xfrm>
+              <a:off x="6266156" y="5130231"/>
+              <a:ext cx="276687" cy="276687"/>
+            </a:xfrm>
+            <a:prstGeom prst="ellipse">
+              <a:avLst/>
+            </a:prstGeom>
+            <a:solidFill>
+              <a:srgbClr val="FFFF00"/>
+            </a:solidFill>
+            <a:ln>
+              <a:noFill/>
+            </a:ln>
+            <a:effectLst>
+              <a:innerShdw blurRad="63500" dist="50800" dir="8100000">
+                <a:prstClr val="black">
+                  <a:alpha val="50000"/>
+                </a:prstClr>
+              </a:innerShdw>
+            </a:effectLst>
+          </p:spPr>
+          <p:style>
+            <a:lnRef idx="2">
+              <a:schemeClr val="accent4">
+                <a:shade val="50000"/>
+              </a:schemeClr>
+            </a:lnRef>
+            <a:fillRef idx="1">
+              <a:schemeClr val="accent4"/>
+            </a:fillRef>
+            <a:effectRef idx="0">
+              <a:schemeClr val="accent4"/>
+            </a:effectRef>
+            <a:fontRef idx="minor">
+              <a:schemeClr val="lt1"/>
+            </a:fontRef>
+          </p:style>
+          <p:txBody>
+            <a:bodyPr rtlCol="0" anchor="ctr"/>
+            <a:lstStyle/>
+            <a:p>
+              <a:pPr algn="ctr"/>
+              <a:endParaRPr lang="en-GB"/>
+            </a:p>
+          </p:txBody>
+        </p:sp>
+        <p:sp>
+          <p:nvSpPr>
+            <p:cNvPr id="31" name="Oval 30">
+              <a:extLst>
+                <a:ext uri="{FF2B5EF4-FFF2-40B4-BE49-F238E27FC236}">
+                  <a16:creationId xmlns:a16="http://schemas.microsoft.com/office/drawing/2014/main" id="{4D7C4419-7C8D-A27B-7B8F-074A004DF7D2}"/>
+                </a:ext>
+              </a:extLst>
+            </p:cNvPr>
+            <p:cNvSpPr/>
+            <p:nvPr/>
+          </p:nvSpPr>
+          <p:spPr>
+            <a:xfrm>
+              <a:off x="5097262" y="4554682"/>
+              <a:ext cx="488272" cy="488272"/>
+            </a:xfrm>
+            <a:prstGeom prst="ellipse">
+              <a:avLst/>
+            </a:prstGeom>
+            <a:solidFill>
+              <a:srgbClr val="FF0000"/>
+            </a:solidFill>
+            <a:ln>
+              <a:noFill/>
+            </a:ln>
+            <a:effectLst>
+              <a:innerShdw blurRad="63500" dist="50800" dir="8100000">
+                <a:prstClr val="black">
+                  <a:alpha val="50000"/>
+                </a:prstClr>
+              </a:innerShdw>
+            </a:effectLst>
+          </p:spPr>
+          <p:style>
+            <a:lnRef idx="2">
+              <a:schemeClr val="dk1">
+                <a:shade val="50000"/>
+              </a:schemeClr>
+            </a:lnRef>
+            <a:fillRef idx="1">
+              <a:schemeClr val="dk1"/>
+            </a:fillRef>
+            <a:effectRef idx="0">
+              <a:schemeClr val="dk1"/>
+            </a:effectRef>
+            <a:fontRef idx="minor">
+              <a:schemeClr val="lt1"/>
+            </a:fontRef>
+          </p:style>
+          <p:txBody>
+            <a:bodyPr rtlCol="0" anchor="ctr"/>
+            <a:lstStyle/>
+            <a:p>
+              <a:pPr algn="ctr"/>
+              <a:endParaRPr lang="en-GB"/>
+            </a:p>
+          </p:txBody>
+        </p:sp>
+        <p:sp>
+          <p:nvSpPr>
+            <p:cNvPr id="32" name="Oval 31">
+              <a:extLst>
+                <a:ext uri="{FF2B5EF4-FFF2-40B4-BE49-F238E27FC236}">
+                  <a16:creationId xmlns:a16="http://schemas.microsoft.com/office/drawing/2014/main" id="{AEDF9CA7-6514-571C-2AB1-0A4A5448C698}"/>
+                </a:ext>
+              </a:extLst>
+            </p:cNvPr>
+            <p:cNvSpPr/>
+            <p:nvPr/>
+          </p:nvSpPr>
+          <p:spPr>
+            <a:xfrm>
+              <a:off x="6263937" y="4223649"/>
+              <a:ext cx="276687" cy="276687"/>
+            </a:xfrm>
+            <a:prstGeom prst="ellipse">
+              <a:avLst/>
+            </a:prstGeom>
+            <a:solidFill>
+              <a:srgbClr val="FFFF00"/>
+            </a:solidFill>
+            <a:ln>
+              <a:noFill/>
+            </a:ln>
+            <a:effectLst>
+              <a:innerShdw blurRad="63500" dist="50800" dir="8100000">
+                <a:prstClr val="black">
+                  <a:alpha val="50000"/>
+                </a:prstClr>
+              </a:innerShdw>
+            </a:effectLst>
+          </p:spPr>
+          <p:style>
+            <a:lnRef idx="2">
+              <a:schemeClr val="accent4">
+                <a:shade val="50000"/>
+              </a:schemeClr>
+            </a:lnRef>
+            <a:fillRef idx="1">
+              <a:schemeClr val="accent4"/>
+            </a:fillRef>
+            <a:effectRef idx="0">
+              <a:schemeClr val="accent4"/>
+            </a:effectRef>
+            <a:fontRef idx="minor">
+              <a:schemeClr val="lt1"/>
+            </a:fontRef>
+          </p:style>
+          <p:txBody>
+            <a:bodyPr rtlCol="0" anchor="ctr"/>
+            <a:lstStyle/>
+            <a:p>
+              <a:pPr algn="ctr"/>
+              <a:endParaRPr lang="en-GB"/>
+            </a:p>
+          </p:txBody>
+        </p:sp>
+        <p:sp>
+          <p:nvSpPr>
+            <p:cNvPr id="33" name="Oval 32">
+              <a:extLst>
+                <a:ext uri="{FF2B5EF4-FFF2-40B4-BE49-F238E27FC236}">
+                  <a16:creationId xmlns:a16="http://schemas.microsoft.com/office/drawing/2014/main" id="{76AB323B-0AEF-1C1E-153D-3225BCD9BC2C}"/>
+                </a:ext>
+              </a:extLst>
+            </p:cNvPr>
+            <p:cNvSpPr/>
+            <p:nvPr/>
+          </p:nvSpPr>
+          <p:spPr>
+            <a:xfrm>
+              <a:off x="7790897" y="5130231"/>
+              <a:ext cx="276687" cy="276687"/>
+            </a:xfrm>
+            <a:prstGeom prst="ellipse">
+              <a:avLst/>
+            </a:prstGeom>
+            <a:solidFill>
+              <a:srgbClr val="FFFF00"/>
+            </a:solidFill>
+            <a:ln>
+              <a:noFill/>
+            </a:ln>
+            <a:effectLst>
+              <a:innerShdw blurRad="63500" dist="50800" dir="8100000">
+                <a:prstClr val="black">
+                  <a:alpha val="50000"/>
+                </a:prstClr>
+              </a:innerShdw>
+            </a:effectLst>
+          </p:spPr>
+          <p:style>
+            <a:lnRef idx="2">
+              <a:schemeClr val="accent4">
+                <a:shade val="50000"/>
+              </a:schemeClr>
+            </a:lnRef>
+            <a:fillRef idx="1">
+              <a:schemeClr val="accent4"/>
+            </a:fillRef>
+            <a:effectRef idx="0">
+              <a:schemeClr val="accent4"/>
+            </a:effectRef>
+            <a:fontRef idx="minor">
+              <a:schemeClr val="lt1"/>
+            </a:fontRef>
+          </p:style>
+          <p:txBody>
+            <a:bodyPr rtlCol="0" anchor="ctr"/>
+            <a:lstStyle/>
+            <a:p>
+              <a:pPr algn="ctr"/>
+              <a:endParaRPr lang="en-GB"/>
+            </a:p>
+          </p:txBody>
+        </p:sp>
+        <p:sp>
+          <p:nvSpPr>
+            <p:cNvPr id="34" name="Oval 33">
+              <a:extLst>
+                <a:ext uri="{FF2B5EF4-FFF2-40B4-BE49-F238E27FC236}">
+                  <a16:creationId xmlns:a16="http://schemas.microsoft.com/office/drawing/2014/main" id="{CEFBC6A2-46DC-880C-C076-EAF19FD72184}"/>
+                </a:ext>
+              </a:extLst>
+            </p:cNvPr>
+            <p:cNvSpPr/>
+            <p:nvPr/>
+          </p:nvSpPr>
+          <p:spPr>
+            <a:xfrm>
+              <a:off x="6622003" y="4554682"/>
+              <a:ext cx="488272" cy="488272"/>
+            </a:xfrm>
+            <a:prstGeom prst="ellipse">
+              <a:avLst/>
+            </a:prstGeom>
+            <a:solidFill>
+              <a:srgbClr val="FF0000"/>
+            </a:solidFill>
+            <a:ln>
+              <a:noFill/>
+            </a:ln>
+            <a:effectLst>
+              <a:innerShdw blurRad="63500" dist="50800" dir="8100000">
+                <a:prstClr val="black">
+                  <a:alpha val="50000"/>
+                </a:prstClr>
+              </a:innerShdw>
+            </a:effectLst>
+          </p:spPr>
+          <p:style>
+            <a:lnRef idx="2">
+              <a:schemeClr val="dk1">
+                <a:shade val="50000"/>
+              </a:schemeClr>
+            </a:lnRef>
+            <a:fillRef idx="1">
+              <a:schemeClr val="dk1"/>
+            </a:fillRef>
+            <a:effectRef idx="0">
+              <a:schemeClr val="dk1"/>
+            </a:effectRef>
+            <a:fontRef idx="minor">
+              <a:schemeClr val="lt1"/>
+            </a:fontRef>
+          </p:style>
+          <p:txBody>
+            <a:bodyPr rtlCol="0" anchor="ctr"/>
+            <a:lstStyle/>
+            <a:p>
+              <a:pPr algn="ctr"/>
+              <a:endParaRPr lang="en-GB"/>
+            </a:p>
+          </p:txBody>
+        </p:sp>
+        <p:sp>
+          <p:nvSpPr>
+            <p:cNvPr id="35" name="Oval 34">
+              <a:extLst>
+                <a:ext uri="{FF2B5EF4-FFF2-40B4-BE49-F238E27FC236}">
+                  <a16:creationId xmlns:a16="http://schemas.microsoft.com/office/drawing/2014/main" id="{EB5B50C5-1108-F7D1-A72A-686EB1EB50C2}"/>
+                </a:ext>
+              </a:extLst>
+            </p:cNvPr>
+            <p:cNvSpPr/>
+            <p:nvPr/>
+          </p:nvSpPr>
+          <p:spPr>
+            <a:xfrm>
+              <a:off x="7788678" y="4223649"/>
+              <a:ext cx="276687" cy="276687"/>
+            </a:xfrm>
+            <a:prstGeom prst="ellipse">
+              <a:avLst/>
+            </a:prstGeom>
+            <a:solidFill>
+              <a:srgbClr val="FFFF00"/>
+            </a:solidFill>
+            <a:ln>
+              <a:noFill/>
+            </a:ln>
+            <a:effectLst>
+              <a:innerShdw blurRad="63500" dist="50800" dir="8100000">
+                <a:prstClr val="black">
+                  <a:alpha val="50000"/>
+                </a:prstClr>
+              </a:innerShdw>
+            </a:effectLst>
+          </p:spPr>
+          <p:style>
+            <a:lnRef idx="2">
+              <a:schemeClr val="accent4">
+                <a:shade val="50000"/>
+              </a:schemeClr>
+            </a:lnRef>
+            <a:fillRef idx="1">
+              <a:schemeClr val="accent4"/>
+            </a:fillRef>
+            <a:effectRef idx="0">
+              <a:schemeClr val="accent4"/>
+            </a:effectRef>
+            <a:fontRef idx="minor">
+              <a:schemeClr val="lt1"/>
+            </a:fontRef>
+          </p:style>
+          <p:txBody>
+            <a:bodyPr rtlCol="0" anchor="ctr"/>
+            <a:lstStyle/>
+            <a:p>
+              <a:pPr algn="ctr"/>
+              <a:endParaRPr lang="en-GB"/>
+            </a:p>
+          </p:txBody>
+        </p:sp>
+        <p:sp>
+          <p:nvSpPr>
+            <p:cNvPr id="36" name="TextBox 35">
+              <a:extLst>
+                <a:ext uri="{FF2B5EF4-FFF2-40B4-BE49-F238E27FC236}">
+                  <a16:creationId xmlns:a16="http://schemas.microsoft.com/office/drawing/2014/main" id="{0E0DF501-EE2B-BEC4-12FB-E06105A4846F}"/>
+                </a:ext>
+              </a:extLst>
+            </p:cNvPr>
+            <p:cNvSpPr txBox="1"/>
+            <p:nvPr/>
+          </p:nvSpPr>
+          <p:spPr>
+            <a:xfrm>
+              <a:off x="5632140" y="1896380"/>
+              <a:ext cx="941034" cy="369332"/>
+            </a:xfrm>
+            <a:prstGeom prst="rect">
+              <a:avLst/>
+            </a:prstGeom>
+            <a:noFill/>
+          </p:spPr>
+          <p:txBody>
+            <a:bodyPr wrap="square" rtlCol="0">
+              <a:spAutoFit/>
+            </a:bodyPr>
+            <a:lstStyle/>
+            <a:p>
+              <a:r>
+                <a:rPr lang="en-GB" dirty="0">
+                  <a:latin typeface="Georgia" panose="02040502050405020303" pitchFamily="18" charset="0"/>
+                </a:rPr>
+                <a:t>Zigzag</a:t>
+              </a:r>
+            </a:p>
+          </p:txBody>
+        </p:sp>
+        <p:sp>
+          <p:nvSpPr>
+            <p:cNvPr id="37" name="TextBox 36">
+              <a:extLst>
+                <a:ext uri="{FF2B5EF4-FFF2-40B4-BE49-F238E27FC236}">
+                  <a16:creationId xmlns:a16="http://schemas.microsoft.com/office/drawing/2014/main" id="{F1786681-BB7B-FD04-97FC-7F7E1CAA63AA}"/>
+                </a:ext>
+              </a:extLst>
+            </p:cNvPr>
+            <p:cNvSpPr txBox="1"/>
+            <p:nvPr/>
+          </p:nvSpPr>
+          <p:spPr>
+            <a:xfrm>
+              <a:off x="5497495" y="3768033"/>
+              <a:ext cx="1210323" cy="369332"/>
+            </a:xfrm>
+            <a:prstGeom prst="rect">
+              <a:avLst/>
+            </a:prstGeom>
+            <a:noFill/>
+          </p:spPr>
+          <p:txBody>
+            <a:bodyPr wrap="square" rtlCol="0">
+              <a:spAutoFit/>
+            </a:bodyPr>
+            <a:lstStyle/>
+            <a:p>
+              <a:r>
+                <a:rPr lang="en-GB" dirty="0">
+                  <a:latin typeface="Georgia" panose="02040502050405020303" pitchFamily="18" charset="0"/>
+                </a:rPr>
+                <a:t>Armchair</a:t>
+              </a:r>
+            </a:p>
+          </p:txBody>
+        </p:sp>
       </p:grpSp>
     </p:spTree>
     <p:extLst>
@@ -6478,8 +7672,8 @@
             </a:p>
           </p:txBody>
         </p:sp>
-        <mc:AlternateContent xmlns:mc="http://schemas.openxmlformats.org/markup-compatibility/2006">
-          <mc:Choice xmlns:a14="http://schemas.microsoft.com/office/drawing/2010/main" Requires="a14">
+        <mc:AlternateContent xmlns:mc="http://schemas.openxmlformats.org/markup-compatibility/2006" xmlns:a14="http://schemas.microsoft.com/office/drawing/2010/main">
+          <mc:Choice Requires="a14">
             <p:sp>
               <p:nvSpPr>
                 <p:cNvPr id="11" name="TextBox 10">
@@ -6536,7 +7730,7 @@
                           <m:accPr>
                             <m:chr m:val="⃗"/>
                             <m:ctrlPr>
-                              <a:rPr lang="en-GB">
+                              <a:rPr lang="en-GB" i="1">
                                 <a:solidFill>
                                   <a:srgbClr val="836967"/>
                                 </a:solidFill>
@@ -6548,7 +7742,7 @@
                             <m:sSub>
                               <m:sSubPr>
                                 <m:ctrlPr>
-                                  <a:rPr lang="en-GB">
+                                  <a:rPr lang="en-GB" i="1">
                                     <a:solidFill>
                                       <a:srgbClr val="836967"/>
                                     </a:solidFill>
@@ -6585,7 +7779,7 @@
               </p:txBody>
             </p:sp>
           </mc:Choice>
-          <mc:Fallback>
+          <mc:Fallback xmlns="">
             <p:sp>
               <p:nvSpPr>
                 <p:cNvPr id="11" name="TextBox 10">
@@ -6633,8 +7827,8 @@
             </p:sp>
           </mc:Fallback>
         </mc:AlternateContent>
-        <mc:AlternateContent xmlns:mc="http://schemas.openxmlformats.org/markup-compatibility/2006">
-          <mc:Choice xmlns:a14="http://schemas.microsoft.com/office/drawing/2010/main" Requires="a14">
+        <mc:AlternateContent xmlns:mc="http://schemas.openxmlformats.org/markup-compatibility/2006" xmlns:a14="http://schemas.microsoft.com/office/drawing/2010/main">
+          <mc:Choice Requires="a14">
             <p:sp>
               <p:nvSpPr>
                 <p:cNvPr id="12" name="TextBox 11">
@@ -6691,7 +7885,7 @@
                           <m:accPr>
                             <m:chr m:val="⃗"/>
                             <m:ctrlPr>
-                              <a:rPr lang="en-GB">
+                              <a:rPr lang="en-GB" i="1">
                                 <a:solidFill>
                                   <a:srgbClr val="836967"/>
                                 </a:solidFill>
@@ -6703,7 +7897,7 @@
                             <m:sSub>
                               <m:sSubPr>
                                 <m:ctrlPr>
-                                  <a:rPr lang="en-GB">
+                                  <a:rPr lang="en-GB" i="1">
                                     <a:solidFill>
                                       <a:srgbClr val="836967"/>
                                     </a:solidFill>
@@ -6740,7 +7934,7 @@
               </p:txBody>
             </p:sp>
           </mc:Choice>
-          <mc:Fallback>
+          <mc:Fallback xmlns="">
             <p:sp>
               <p:nvSpPr>
                 <p:cNvPr id="12" name="TextBox 11">
@@ -10201,8 +11395,8 @@
             </a:p>
           </p:txBody>
         </p:sp>
-        <mc:AlternateContent xmlns:mc="http://schemas.openxmlformats.org/markup-compatibility/2006">
-          <mc:Choice xmlns:a14="http://schemas.microsoft.com/office/drawing/2010/main" Requires="a14">
+        <mc:AlternateContent xmlns:mc="http://schemas.openxmlformats.org/markup-compatibility/2006" xmlns:a14="http://schemas.microsoft.com/office/drawing/2010/main">
+          <mc:Choice Requires="a14">
             <p:sp>
               <p:nvSpPr>
                 <p:cNvPr id="26" name="TextBox 25">
@@ -10259,7 +11453,7 @@
                           <m:accPr>
                             <m:chr m:val="⃗"/>
                             <m:ctrlPr>
-                              <a:rPr lang="en-GB">
+                              <a:rPr lang="en-GB" i="1">
                                 <a:solidFill>
                                   <a:srgbClr val="836967"/>
                                 </a:solidFill>
@@ -10286,7 +11480,7 @@
               </p:txBody>
             </p:sp>
           </mc:Choice>
-          <mc:Fallback>
+          <mc:Fallback xmlns="">
             <p:sp>
               <p:nvSpPr>
                 <p:cNvPr id="26" name="TextBox 25">

--- a/Dissertation/Diagrams.pptx
+++ b/Dissertation/Diagrams.pptx
@@ -11,6 +11,7 @@
     <p:sldId id="259" r:id="rId5"/>
     <p:sldId id="260" r:id="rId6"/>
     <p:sldId id="261" r:id="rId7"/>
+    <p:sldId id="262" r:id="rId8"/>
   </p:sldIdLst>
   <p:sldSz cx="12192000" cy="6858000"/>
   <p:notesSz cx="6858000" cy="9144000"/>
@@ -266,7 +267,7 @@
           <a:p>
             <a:fld id="{B10C9995-88F4-41EB-BF2C-4DEEF6073B26}" type="datetimeFigureOut">
               <a:rPr lang="en-GB" smtClean="0"/>
-              <a:t>04/08/2022</a:t>
+              <a:t>08/08/2022</a:t>
             </a:fld>
             <a:endParaRPr lang="en-GB"/>
           </a:p>
@@ -466,7 +467,7 @@
           <a:p>
             <a:fld id="{B10C9995-88F4-41EB-BF2C-4DEEF6073B26}" type="datetimeFigureOut">
               <a:rPr lang="en-GB" smtClean="0"/>
-              <a:t>04/08/2022</a:t>
+              <a:t>08/08/2022</a:t>
             </a:fld>
             <a:endParaRPr lang="en-GB"/>
           </a:p>
@@ -676,7 +677,7 @@
           <a:p>
             <a:fld id="{B10C9995-88F4-41EB-BF2C-4DEEF6073B26}" type="datetimeFigureOut">
               <a:rPr lang="en-GB" smtClean="0"/>
-              <a:t>04/08/2022</a:t>
+              <a:t>08/08/2022</a:t>
             </a:fld>
             <a:endParaRPr lang="en-GB"/>
           </a:p>
@@ -876,7 +877,7 @@
           <a:p>
             <a:fld id="{B10C9995-88F4-41EB-BF2C-4DEEF6073B26}" type="datetimeFigureOut">
               <a:rPr lang="en-GB" smtClean="0"/>
-              <a:t>04/08/2022</a:t>
+              <a:t>08/08/2022</a:t>
             </a:fld>
             <a:endParaRPr lang="en-GB"/>
           </a:p>
@@ -1152,7 +1153,7 @@
           <a:p>
             <a:fld id="{B10C9995-88F4-41EB-BF2C-4DEEF6073B26}" type="datetimeFigureOut">
               <a:rPr lang="en-GB" smtClean="0"/>
-              <a:t>04/08/2022</a:t>
+              <a:t>08/08/2022</a:t>
             </a:fld>
             <a:endParaRPr lang="en-GB"/>
           </a:p>
@@ -1420,7 +1421,7 @@
           <a:p>
             <a:fld id="{B10C9995-88F4-41EB-BF2C-4DEEF6073B26}" type="datetimeFigureOut">
               <a:rPr lang="en-GB" smtClean="0"/>
-              <a:t>04/08/2022</a:t>
+              <a:t>08/08/2022</a:t>
             </a:fld>
             <a:endParaRPr lang="en-GB"/>
           </a:p>
@@ -1835,7 +1836,7 @@
           <a:p>
             <a:fld id="{B10C9995-88F4-41EB-BF2C-4DEEF6073B26}" type="datetimeFigureOut">
               <a:rPr lang="en-GB" smtClean="0"/>
-              <a:t>04/08/2022</a:t>
+              <a:t>08/08/2022</a:t>
             </a:fld>
             <a:endParaRPr lang="en-GB"/>
           </a:p>
@@ -1977,7 +1978,7 @@
           <a:p>
             <a:fld id="{B10C9995-88F4-41EB-BF2C-4DEEF6073B26}" type="datetimeFigureOut">
               <a:rPr lang="en-GB" smtClean="0"/>
-              <a:t>04/08/2022</a:t>
+              <a:t>08/08/2022</a:t>
             </a:fld>
             <a:endParaRPr lang="en-GB"/>
           </a:p>
@@ -2090,7 +2091,7 @@
           <a:p>
             <a:fld id="{B10C9995-88F4-41EB-BF2C-4DEEF6073B26}" type="datetimeFigureOut">
               <a:rPr lang="en-GB" smtClean="0"/>
-              <a:t>04/08/2022</a:t>
+              <a:t>08/08/2022</a:t>
             </a:fld>
             <a:endParaRPr lang="en-GB"/>
           </a:p>
@@ -2403,7 +2404,7 @@
           <a:p>
             <a:fld id="{B10C9995-88F4-41EB-BF2C-4DEEF6073B26}" type="datetimeFigureOut">
               <a:rPr lang="en-GB" smtClean="0"/>
-              <a:t>04/08/2022</a:t>
+              <a:t>08/08/2022</a:t>
             </a:fld>
             <a:endParaRPr lang="en-GB"/>
           </a:p>
@@ -2692,7 +2693,7 @@
           <a:p>
             <a:fld id="{B10C9995-88F4-41EB-BF2C-4DEEF6073B26}" type="datetimeFigureOut">
               <a:rPr lang="en-GB" smtClean="0"/>
-              <a:t>04/08/2022</a:t>
+              <a:t>08/08/2022</a:t>
             </a:fld>
             <a:endParaRPr lang="en-GB"/>
           </a:p>
@@ -2935,7 +2936,7 @@
           <a:p>
             <a:fld id="{B10C9995-88F4-41EB-BF2C-4DEEF6073B26}" type="datetimeFigureOut">
               <a:rPr lang="en-GB" smtClean="0"/>
-              <a:t>04/08/2022</a:t>
+              <a:t>08/08/2022</a:t>
             </a:fld>
             <a:endParaRPr lang="en-GB"/>
           </a:p>
@@ -10416,7 +10417,7 @@
                 <a:tabLst/>
               </a:pPr>
               <a:r>
-                <a:rPr lang="en-GB" sz="1800" b="0" i="0" u="none" strike="noStrike" kern="1200" cap="none">
+                <a:rPr lang="en-GB" sz="1800" b="0" i="0" u="none" strike="noStrike" kern="1200" cap="none" dirty="0">
                   <a:ln>
                     <a:noFill/>
                   </a:ln>
@@ -10427,7 +10428,7 @@
                 <a:t>K</a:t>
               </a:r>
               <a:r>
-                <a:rPr lang="en-GB" sz="1800" b="0" i="0" u="none" strike="noStrike" kern="1200" cap="none">
+                <a:rPr lang="en-GB" sz="1800" b="0" i="0" u="none" strike="noStrike" kern="1200" cap="none" dirty="0">
                   <a:ln>
                     <a:noFill/>
                   </a:ln>
@@ -10485,7 +10486,7 @@
                 <a:tabLst/>
               </a:pPr>
               <a:r>
-                <a:rPr lang="en-GB" sz="1800" b="0" i="0" u="none" strike="noStrike" kern="1200" cap="none">
+                <a:rPr lang="en-GB" sz="1800" b="0" i="0" u="none" strike="noStrike" kern="1200" cap="none" dirty="0">
                   <a:ln>
                     <a:noFill/>
                   </a:ln>
@@ -10496,7 +10497,7 @@
                 <a:t>K</a:t>
               </a:r>
               <a:r>
-                <a:rPr lang="en-GB" sz="1800" b="0" i="0" u="none" strike="noStrike" kern="1200" cap="none">
+                <a:rPr lang="en-GB" sz="1800" b="0" i="0" u="none" strike="noStrike" kern="1200" cap="none" dirty="0">
                   <a:ln>
                     <a:noFill/>
                   </a:ln>
@@ -11245,7 +11246,7 @@
                 <a:tabLst/>
               </a:pPr>
               <a:r>
-                <a:rPr lang="en-GB" sz="1800" b="0" i="0" u="none" strike="noStrike" kern="1200" cap="none">
+                <a:rPr lang="en-GB" sz="1800" b="0" i="0" u="none" strike="noStrike" kern="1200" cap="none" dirty="0">
                   <a:ln>
                     <a:noFill/>
                   </a:ln>
@@ -11256,7 +11257,7 @@
                 <a:t>K</a:t>
               </a:r>
               <a:r>
-                <a:rPr lang="en-GB" sz="1800" b="0" i="0" u="none" strike="noStrike" kern="1200" cap="none">
+                <a:rPr lang="en-GB" sz="1800" b="0" i="0" u="none" strike="noStrike" kern="1200" cap="none" dirty="0">
                   <a:ln>
                     <a:noFill/>
                   </a:ln>
@@ -11314,7 +11315,7 @@
                 <a:tabLst/>
               </a:pPr>
               <a:r>
-                <a:rPr lang="en-GB" sz="1800" b="0" i="0" u="none" strike="noStrike" kern="1200" cap="none">
+                <a:rPr lang="en-GB" sz="1800" b="0" i="0" u="none" strike="noStrike" kern="1200" cap="none" dirty="0">
                   <a:ln>
                     <a:noFill/>
                   </a:ln>
@@ -11325,7 +11326,7 @@
                 <a:t>K</a:t>
               </a:r>
               <a:r>
-                <a:rPr lang="en-GB" sz="1800" b="0" i="0" u="none" strike="noStrike" kern="1200" cap="none">
+                <a:rPr lang="en-GB" sz="1800" b="0" i="0" u="none" strike="noStrike" kern="1200" cap="none" dirty="0">
                   <a:ln>
                     <a:noFill/>
                   </a:ln>
@@ -13681,6 +13682,1410 @@
     <p:extLst>
       <p:ext uri="{BB962C8B-B14F-4D97-AF65-F5344CB8AC3E}">
         <p14:creationId xmlns:p14="http://schemas.microsoft.com/office/powerpoint/2010/main" val="3332550659"/>
+      </p:ext>
+    </p:extLst>
+  </p:cSld>
+  <p:clrMapOvr>
+    <a:masterClrMapping/>
+  </p:clrMapOvr>
+</p:sld>
+</file>
+
+<file path=ppt/slides/slide7.xml><?xml version="1.0" encoding="utf-8"?>
+<p:sld xmlns:a="http://schemas.openxmlformats.org/drawingml/2006/main" xmlns:r="http://schemas.openxmlformats.org/officeDocument/2006/relationships" xmlns:p="http://schemas.openxmlformats.org/presentationml/2006/main">
+  <p:cSld>
+    <p:spTree>
+      <p:nvGrpSpPr>
+        <p:cNvPr id="1" name=""/>
+        <p:cNvGrpSpPr/>
+        <p:nvPr/>
+      </p:nvGrpSpPr>
+      <p:grpSpPr>
+        <a:xfrm>
+          <a:off x="0" y="0"/>
+          <a:ext cx="0" cy="0"/>
+          <a:chOff x="0" y="0"/>
+          <a:chExt cx="0" cy="0"/>
+        </a:xfrm>
+      </p:grpSpPr>
+      <p:grpSp>
+        <p:nvGrpSpPr>
+          <p:cNvPr id="88" name="Group 87">
+            <a:extLst>
+              <a:ext uri="{FF2B5EF4-FFF2-40B4-BE49-F238E27FC236}">
+                <a16:creationId xmlns:a16="http://schemas.microsoft.com/office/drawing/2014/main" id="{DE89004A-C2E9-F4A5-C0E2-C6B4237B3FC7}"/>
+              </a:ext>
+            </a:extLst>
+          </p:cNvPr>
+          <p:cNvGrpSpPr/>
+          <p:nvPr/>
+        </p:nvGrpSpPr>
+        <p:grpSpPr>
+          <a:xfrm>
+            <a:off x="1795230" y="965718"/>
+            <a:ext cx="4161030" cy="4411034"/>
+            <a:chOff x="1795230" y="965718"/>
+            <a:chExt cx="4161030" cy="4411034"/>
+          </a:xfrm>
+        </p:grpSpPr>
+        <p:cxnSp>
+          <p:nvCxnSpPr>
+            <p:cNvPr id="8" name="Straight Connector 7">
+              <a:extLst>
+                <a:ext uri="{FF2B5EF4-FFF2-40B4-BE49-F238E27FC236}">
+                  <a16:creationId xmlns:a16="http://schemas.microsoft.com/office/drawing/2014/main" id="{B3A4D0A3-179D-C645-C934-949A5B0BDF66}"/>
+                </a:ext>
+              </a:extLst>
+            </p:cNvPr>
+            <p:cNvCxnSpPr>
+              <a:cxnSpLocks/>
+            </p:cNvCxnSpPr>
+            <p:nvPr/>
+          </p:nvCxnSpPr>
+          <p:spPr>
+            <a:xfrm>
+              <a:off x="4529481" y="1777112"/>
+              <a:ext cx="762986" cy="0"/>
+            </a:xfrm>
+            <a:prstGeom prst="line">
+              <a:avLst/>
+            </a:prstGeom>
+            <a:ln w="28575">
+              <a:solidFill>
+                <a:schemeClr val="accent1"/>
+              </a:solidFill>
+            </a:ln>
+          </p:spPr>
+          <p:style>
+            <a:lnRef idx="3">
+              <a:schemeClr val="dk1"/>
+            </a:lnRef>
+            <a:fillRef idx="0">
+              <a:schemeClr val="dk1"/>
+            </a:fillRef>
+            <a:effectRef idx="2">
+              <a:schemeClr val="dk1"/>
+            </a:effectRef>
+            <a:fontRef idx="minor">
+              <a:schemeClr val="tx1"/>
+            </a:fontRef>
+          </p:style>
+        </p:cxnSp>
+        <p:cxnSp>
+          <p:nvCxnSpPr>
+            <p:cNvPr id="9" name="Straight Connector 8">
+              <a:extLst>
+                <a:ext uri="{FF2B5EF4-FFF2-40B4-BE49-F238E27FC236}">
+                  <a16:creationId xmlns:a16="http://schemas.microsoft.com/office/drawing/2014/main" id="{4F831208-966C-F4FB-9702-137842F59C02}"/>
+                </a:ext>
+              </a:extLst>
+            </p:cNvPr>
+            <p:cNvCxnSpPr>
+              <a:cxnSpLocks/>
+            </p:cNvCxnSpPr>
+            <p:nvPr/>
+          </p:nvCxnSpPr>
+          <p:spPr>
+            <a:xfrm>
+              <a:off x="4529481" y="2371603"/>
+              <a:ext cx="762984" cy="0"/>
+            </a:xfrm>
+            <a:prstGeom prst="line">
+              <a:avLst/>
+            </a:prstGeom>
+            <a:ln w="28575">
+              <a:solidFill>
+                <a:schemeClr val="accent2"/>
+              </a:solidFill>
+            </a:ln>
+          </p:spPr>
+          <p:style>
+            <a:lnRef idx="3">
+              <a:schemeClr val="dk1"/>
+            </a:lnRef>
+            <a:fillRef idx="0">
+              <a:schemeClr val="dk1"/>
+            </a:fillRef>
+            <a:effectRef idx="2">
+              <a:schemeClr val="dk1"/>
+            </a:effectRef>
+            <a:fontRef idx="minor">
+              <a:schemeClr val="tx1"/>
+            </a:fontRef>
+          </p:style>
+        </p:cxnSp>
+        <p:cxnSp>
+          <p:nvCxnSpPr>
+            <p:cNvPr id="11" name="Straight Connector 10">
+              <a:extLst>
+                <a:ext uri="{FF2B5EF4-FFF2-40B4-BE49-F238E27FC236}">
+                  <a16:creationId xmlns:a16="http://schemas.microsoft.com/office/drawing/2014/main" id="{FE4E063B-AD1F-54EC-02BC-7288DFA82E1D}"/>
+                </a:ext>
+              </a:extLst>
+            </p:cNvPr>
+            <p:cNvCxnSpPr>
+              <a:cxnSpLocks/>
+            </p:cNvCxnSpPr>
+            <p:nvPr/>
+          </p:nvCxnSpPr>
+          <p:spPr>
+            <a:xfrm>
+              <a:off x="4529481" y="2068595"/>
+              <a:ext cx="762985" cy="0"/>
+            </a:xfrm>
+            <a:prstGeom prst="line">
+              <a:avLst/>
+            </a:prstGeom>
+            <a:ln w="22225">
+              <a:prstDash val="sysDash"/>
+            </a:ln>
+          </p:spPr>
+          <p:style>
+            <a:lnRef idx="3">
+              <a:schemeClr val="dk1"/>
+            </a:lnRef>
+            <a:fillRef idx="0">
+              <a:schemeClr val="dk1"/>
+            </a:fillRef>
+            <a:effectRef idx="2">
+              <a:schemeClr val="dk1"/>
+            </a:effectRef>
+            <a:fontRef idx="minor">
+              <a:schemeClr val="tx1"/>
+            </a:fontRef>
+          </p:style>
+        </p:cxnSp>
+        <p:cxnSp>
+          <p:nvCxnSpPr>
+            <p:cNvPr id="13" name="Straight Arrow Connector 12">
+              <a:extLst>
+                <a:ext uri="{FF2B5EF4-FFF2-40B4-BE49-F238E27FC236}">
+                  <a16:creationId xmlns:a16="http://schemas.microsoft.com/office/drawing/2014/main" id="{2AC4941C-C0C3-440D-77C9-50CAF11CE8E0}"/>
+                </a:ext>
+              </a:extLst>
+            </p:cNvPr>
+            <p:cNvCxnSpPr>
+              <a:cxnSpLocks/>
+            </p:cNvCxnSpPr>
+            <p:nvPr/>
+          </p:nvCxnSpPr>
+          <p:spPr>
+            <a:xfrm flipV="1">
+              <a:off x="3611418" y="1777112"/>
+              <a:ext cx="506929" cy="274367"/>
+            </a:xfrm>
+            <a:prstGeom prst="straightConnector1">
+              <a:avLst/>
+            </a:prstGeom>
+            <a:ln w="38100">
+              <a:solidFill>
+                <a:schemeClr val="tx1"/>
+              </a:solidFill>
+              <a:tailEnd type="triangle"/>
+            </a:ln>
+          </p:spPr>
+          <p:style>
+            <a:lnRef idx="1">
+              <a:schemeClr val="accent1"/>
+            </a:lnRef>
+            <a:fillRef idx="0">
+              <a:schemeClr val="accent1"/>
+            </a:fillRef>
+            <a:effectRef idx="0">
+              <a:schemeClr val="accent1"/>
+            </a:effectRef>
+            <a:fontRef idx="minor">
+              <a:schemeClr val="tx1"/>
+            </a:fontRef>
+          </p:style>
+        </p:cxnSp>
+        <p:cxnSp>
+          <p:nvCxnSpPr>
+            <p:cNvPr id="17" name="Straight Arrow Connector 16">
+              <a:extLst>
+                <a:ext uri="{FF2B5EF4-FFF2-40B4-BE49-F238E27FC236}">
+                  <a16:creationId xmlns:a16="http://schemas.microsoft.com/office/drawing/2014/main" id="{3B1ABB4B-B4B3-04A9-159B-4353319BAD01}"/>
+                </a:ext>
+              </a:extLst>
+            </p:cNvPr>
+            <p:cNvCxnSpPr>
+              <a:cxnSpLocks/>
+            </p:cNvCxnSpPr>
+            <p:nvPr/>
+          </p:nvCxnSpPr>
+          <p:spPr>
+            <a:xfrm>
+              <a:off x="3611418" y="2051479"/>
+              <a:ext cx="506929" cy="320124"/>
+            </a:xfrm>
+            <a:prstGeom prst="straightConnector1">
+              <a:avLst/>
+            </a:prstGeom>
+            <a:ln w="38100">
+              <a:solidFill>
+                <a:schemeClr val="tx1"/>
+              </a:solidFill>
+              <a:tailEnd type="triangle"/>
+            </a:ln>
+          </p:spPr>
+          <p:style>
+            <a:lnRef idx="1">
+              <a:schemeClr val="accent1"/>
+            </a:lnRef>
+            <a:fillRef idx="0">
+              <a:schemeClr val="accent1"/>
+            </a:fillRef>
+            <a:effectRef idx="0">
+              <a:schemeClr val="accent1"/>
+            </a:effectRef>
+            <a:fontRef idx="minor">
+              <a:schemeClr val="tx1"/>
+            </a:fontRef>
+          </p:style>
+        </p:cxnSp>
+        <p:sp>
+          <p:nvSpPr>
+            <p:cNvPr id="19" name="TextBox 18">
+              <a:extLst>
+                <a:ext uri="{FF2B5EF4-FFF2-40B4-BE49-F238E27FC236}">
+                  <a16:creationId xmlns:a16="http://schemas.microsoft.com/office/drawing/2014/main" id="{8B94642D-3559-525A-E855-2CCC7D3CE8D2}"/>
+                </a:ext>
+              </a:extLst>
+            </p:cNvPr>
+            <p:cNvSpPr txBox="1"/>
+            <p:nvPr/>
+          </p:nvSpPr>
+          <p:spPr>
+            <a:xfrm>
+              <a:off x="1953435" y="1876399"/>
+              <a:ext cx="593505" cy="369332"/>
+            </a:xfrm>
+            <a:prstGeom prst="rect">
+              <a:avLst/>
+            </a:prstGeom>
+            <a:noFill/>
+          </p:spPr>
+          <p:txBody>
+            <a:bodyPr wrap="square" rtlCol="0">
+              <a:spAutoFit/>
+            </a:bodyPr>
+            <a:lstStyle/>
+            <a:p>
+              <a:r>
+                <a:rPr lang="en-GB" dirty="0">
+                  <a:latin typeface="Georgia" panose="02040502050405020303" pitchFamily="18" charset="0"/>
+                </a:rPr>
+                <a:t>E</a:t>
+              </a:r>
+            </a:p>
+          </p:txBody>
+        </p:sp>
+        <p:sp>
+          <p:nvSpPr>
+            <p:cNvPr id="20" name="TextBox 19">
+              <a:extLst>
+                <a:ext uri="{FF2B5EF4-FFF2-40B4-BE49-F238E27FC236}">
+                  <a16:creationId xmlns:a16="http://schemas.microsoft.com/office/drawing/2014/main" id="{4980C5C3-3D1A-F976-003E-732993AB0591}"/>
+                </a:ext>
+              </a:extLst>
+            </p:cNvPr>
+            <p:cNvSpPr txBox="1"/>
+            <p:nvPr/>
+          </p:nvSpPr>
+          <p:spPr>
+            <a:xfrm>
+              <a:off x="2138277" y="1968732"/>
+              <a:ext cx="408663" cy="276999"/>
+            </a:xfrm>
+            <a:prstGeom prst="rect">
+              <a:avLst/>
+            </a:prstGeom>
+            <a:noFill/>
+            <a:ln>
+              <a:noFill/>
+            </a:ln>
+          </p:spPr>
+          <p:txBody>
+            <a:bodyPr wrap="square" rtlCol="0">
+              <a:spAutoFit/>
+            </a:bodyPr>
+            <a:lstStyle/>
+            <a:p>
+              <a:r>
+                <a:rPr lang="en-GB" sz="1200" dirty="0">
+                  <a:latin typeface="Georgia" panose="02040502050405020303" pitchFamily="18" charset="0"/>
+                </a:rPr>
+                <a:t>1,2</a:t>
+              </a:r>
+              <a:endParaRPr lang="en-GB" dirty="0">
+                <a:latin typeface="Georgia" panose="02040502050405020303" pitchFamily="18" charset="0"/>
+              </a:endParaRPr>
+            </a:p>
+          </p:txBody>
+        </p:sp>
+        <p:sp>
+          <p:nvSpPr>
+            <p:cNvPr id="21" name="TextBox 20">
+              <a:extLst>
+                <a:ext uri="{FF2B5EF4-FFF2-40B4-BE49-F238E27FC236}">
+                  <a16:creationId xmlns:a16="http://schemas.microsoft.com/office/drawing/2014/main" id="{A249925F-4EE2-9001-2B11-B4E73F9CD159}"/>
+                </a:ext>
+              </a:extLst>
+            </p:cNvPr>
+            <p:cNvSpPr txBox="1"/>
+            <p:nvPr/>
+          </p:nvSpPr>
+          <p:spPr>
+            <a:xfrm>
+              <a:off x="5362755" y="1571650"/>
+              <a:ext cx="593505" cy="369332"/>
+            </a:xfrm>
+            <a:prstGeom prst="rect">
+              <a:avLst/>
+            </a:prstGeom>
+            <a:noFill/>
+          </p:spPr>
+          <p:txBody>
+            <a:bodyPr wrap="square" rtlCol="0">
+              <a:spAutoFit/>
+            </a:bodyPr>
+            <a:lstStyle/>
+            <a:p>
+              <a:r>
+                <a:rPr lang="en-GB" dirty="0">
+                  <a:latin typeface="Georgia" panose="02040502050405020303" pitchFamily="18" charset="0"/>
+                </a:rPr>
+                <a:t>E</a:t>
+              </a:r>
+            </a:p>
+          </p:txBody>
+        </p:sp>
+        <p:sp>
+          <p:nvSpPr>
+            <p:cNvPr id="22" name="TextBox 21">
+              <a:extLst>
+                <a:ext uri="{FF2B5EF4-FFF2-40B4-BE49-F238E27FC236}">
+                  <a16:creationId xmlns:a16="http://schemas.microsoft.com/office/drawing/2014/main" id="{8A53A0F4-8429-CFE0-2299-C7A6A7EFFF82}"/>
+                </a:ext>
+              </a:extLst>
+            </p:cNvPr>
+            <p:cNvSpPr txBox="1"/>
+            <p:nvPr/>
+          </p:nvSpPr>
+          <p:spPr>
+            <a:xfrm>
+              <a:off x="5547597" y="1663983"/>
+              <a:ext cx="408663" cy="276999"/>
+            </a:xfrm>
+            <a:prstGeom prst="rect">
+              <a:avLst/>
+            </a:prstGeom>
+            <a:noFill/>
+            <a:ln>
+              <a:noFill/>
+            </a:ln>
+          </p:spPr>
+          <p:txBody>
+            <a:bodyPr wrap="square" rtlCol="0">
+              <a:spAutoFit/>
+            </a:bodyPr>
+            <a:lstStyle/>
+            <a:p>
+              <a:r>
+                <a:rPr lang="en-GB" sz="1200" dirty="0">
+                  <a:latin typeface="Georgia" panose="02040502050405020303" pitchFamily="18" charset="0"/>
+                </a:rPr>
+                <a:t>+</a:t>
+              </a:r>
+              <a:endParaRPr lang="en-GB" dirty="0">
+                <a:latin typeface="Georgia" panose="02040502050405020303" pitchFamily="18" charset="0"/>
+              </a:endParaRPr>
+            </a:p>
+          </p:txBody>
+        </p:sp>
+        <p:sp>
+          <p:nvSpPr>
+            <p:cNvPr id="23" name="TextBox 22">
+              <a:extLst>
+                <a:ext uri="{FF2B5EF4-FFF2-40B4-BE49-F238E27FC236}">
+                  <a16:creationId xmlns:a16="http://schemas.microsoft.com/office/drawing/2014/main" id="{DAAC7096-2644-2B62-F76A-D98ED4C099C9}"/>
+                </a:ext>
+              </a:extLst>
+            </p:cNvPr>
+            <p:cNvSpPr txBox="1"/>
+            <p:nvPr/>
+          </p:nvSpPr>
+          <p:spPr>
+            <a:xfrm>
+              <a:off x="5362755" y="2186937"/>
+              <a:ext cx="593505" cy="369332"/>
+            </a:xfrm>
+            <a:prstGeom prst="rect">
+              <a:avLst/>
+            </a:prstGeom>
+            <a:noFill/>
+          </p:spPr>
+          <p:txBody>
+            <a:bodyPr wrap="square" rtlCol="0">
+              <a:spAutoFit/>
+            </a:bodyPr>
+            <a:lstStyle/>
+            <a:p>
+              <a:r>
+                <a:rPr lang="en-GB" dirty="0">
+                  <a:latin typeface="Georgia" panose="02040502050405020303" pitchFamily="18" charset="0"/>
+                </a:rPr>
+                <a:t>E</a:t>
+              </a:r>
+            </a:p>
+          </p:txBody>
+        </p:sp>
+        <p:sp>
+          <p:nvSpPr>
+            <p:cNvPr id="24" name="TextBox 23">
+              <a:extLst>
+                <a:ext uri="{FF2B5EF4-FFF2-40B4-BE49-F238E27FC236}">
+                  <a16:creationId xmlns:a16="http://schemas.microsoft.com/office/drawing/2014/main" id="{AEC3B0F3-EA64-8021-EE3A-43D6F8E05BCA}"/>
+                </a:ext>
+              </a:extLst>
+            </p:cNvPr>
+            <p:cNvSpPr txBox="1"/>
+            <p:nvPr/>
+          </p:nvSpPr>
+          <p:spPr>
+            <a:xfrm>
+              <a:off x="5547597" y="2279270"/>
+              <a:ext cx="408663" cy="276999"/>
+            </a:xfrm>
+            <a:prstGeom prst="rect">
+              <a:avLst/>
+            </a:prstGeom>
+            <a:noFill/>
+            <a:ln>
+              <a:noFill/>
+            </a:ln>
+          </p:spPr>
+          <p:txBody>
+            <a:bodyPr wrap="square" rtlCol="0">
+              <a:spAutoFit/>
+            </a:bodyPr>
+            <a:lstStyle/>
+            <a:p>
+              <a:r>
+                <a:rPr lang="en-GB" sz="1200" dirty="0">
+                  <a:latin typeface="Georgia" panose="02040502050405020303" pitchFamily="18" charset="0"/>
+                </a:rPr>
+                <a:t>-</a:t>
+              </a:r>
+              <a:endParaRPr lang="en-GB" dirty="0">
+                <a:latin typeface="Georgia" panose="02040502050405020303" pitchFamily="18" charset="0"/>
+              </a:endParaRPr>
+            </a:p>
+          </p:txBody>
+        </p:sp>
+        <p:grpSp>
+          <p:nvGrpSpPr>
+            <p:cNvPr id="34" name="Group 33">
+              <a:extLst>
+                <a:ext uri="{FF2B5EF4-FFF2-40B4-BE49-F238E27FC236}">
+                  <a16:creationId xmlns:a16="http://schemas.microsoft.com/office/drawing/2014/main" id="{4459E5C8-5629-C411-60EE-93FAECE41916}"/>
+                </a:ext>
+              </a:extLst>
+            </p:cNvPr>
+            <p:cNvGrpSpPr/>
+            <p:nvPr/>
+          </p:nvGrpSpPr>
+          <p:grpSpPr>
+            <a:xfrm>
+              <a:off x="2546940" y="2051479"/>
+              <a:ext cx="762984" cy="26352"/>
+              <a:chOff x="2766291" y="2234850"/>
+              <a:chExt cx="762984" cy="26352"/>
+            </a:xfrm>
+          </p:grpSpPr>
+          <p:cxnSp>
+            <p:nvCxnSpPr>
+              <p:cNvPr id="32" name="Straight Connector 31">
+                <a:extLst>
+                  <a:ext uri="{FF2B5EF4-FFF2-40B4-BE49-F238E27FC236}">
+                    <a16:creationId xmlns:a16="http://schemas.microsoft.com/office/drawing/2014/main" id="{B3DA666C-B022-344B-EBBA-31314BC5F1D3}"/>
+                  </a:ext>
+                </a:extLst>
+              </p:cNvPr>
+              <p:cNvCxnSpPr>
+                <a:cxnSpLocks/>
+              </p:cNvCxnSpPr>
+              <p:nvPr/>
+            </p:nvCxnSpPr>
+            <p:spPr>
+              <a:xfrm>
+                <a:off x="2766291" y="2234850"/>
+                <a:ext cx="762984" cy="0"/>
+              </a:xfrm>
+              <a:prstGeom prst="line">
+                <a:avLst/>
+              </a:prstGeom>
+              <a:ln w="28575" cmpd="sng">
+                <a:solidFill>
+                  <a:schemeClr val="accent1"/>
+                </a:solidFill>
+              </a:ln>
+            </p:spPr>
+            <p:style>
+              <a:lnRef idx="3">
+                <a:schemeClr val="dk1"/>
+              </a:lnRef>
+              <a:fillRef idx="0">
+                <a:schemeClr val="dk1"/>
+              </a:fillRef>
+              <a:effectRef idx="2">
+                <a:schemeClr val="dk1"/>
+              </a:effectRef>
+              <a:fontRef idx="minor">
+                <a:schemeClr val="tx1"/>
+              </a:fontRef>
+            </p:style>
+          </p:cxnSp>
+          <p:cxnSp>
+            <p:nvCxnSpPr>
+              <p:cNvPr id="33" name="Straight Connector 32">
+                <a:extLst>
+                  <a:ext uri="{FF2B5EF4-FFF2-40B4-BE49-F238E27FC236}">
+                    <a16:creationId xmlns:a16="http://schemas.microsoft.com/office/drawing/2014/main" id="{B8885AC6-4541-B597-4097-1A7F9977445D}"/>
+                  </a:ext>
+                </a:extLst>
+              </p:cNvPr>
+              <p:cNvCxnSpPr>
+                <a:cxnSpLocks/>
+              </p:cNvCxnSpPr>
+              <p:nvPr/>
+            </p:nvCxnSpPr>
+            <p:spPr>
+              <a:xfrm>
+                <a:off x="2766291" y="2261202"/>
+                <a:ext cx="762984" cy="0"/>
+              </a:xfrm>
+              <a:prstGeom prst="line">
+                <a:avLst/>
+              </a:prstGeom>
+              <a:ln w="28575" cmpd="sng">
+                <a:solidFill>
+                  <a:schemeClr val="accent2"/>
+                </a:solidFill>
+              </a:ln>
+            </p:spPr>
+            <p:style>
+              <a:lnRef idx="3">
+                <a:schemeClr val="dk1"/>
+              </a:lnRef>
+              <a:fillRef idx="0">
+                <a:schemeClr val="dk1"/>
+              </a:fillRef>
+              <a:effectRef idx="2">
+                <a:schemeClr val="dk1"/>
+              </a:effectRef>
+              <a:fontRef idx="minor">
+                <a:schemeClr val="tx1"/>
+              </a:fontRef>
+            </p:style>
+          </p:cxnSp>
+        </p:grpSp>
+        <p:cxnSp>
+          <p:nvCxnSpPr>
+            <p:cNvPr id="35" name="Straight Connector 34">
+              <a:extLst>
+                <a:ext uri="{FF2B5EF4-FFF2-40B4-BE49-F238E27FC236}">
+                  <a16:creationId xmlns:a16="http://schemas.microsoft.com/office/drawing/2014/main" id="{B47395F6-27A6-8800-B62E-799639FD5ED8}"/>
+                </a:ext>
+              </a:extLst>
+            </p:cNvPr>
+            <p:cNvCxnSpPr>
+              <a:cxnSpLocks/>
+            </p:cNvCxnSpPr>
+            <p:nvPr/>
+          </p:nvCxnSpPr>
+          <p:spPr>
+            <a:xfrm flipV="1">
+              <a:off x="2272656" y="2969991"/>
+              <a:ext cx="1095307" cy="1104831"/>
+            </a:xfrm>
+            <a:prstGeom prst="line">
+              <a:avLst/>
+            </a:prstGeom>
+            <a:ln w="28575">
+              <a:solidFill>
+                <a:schemeClr val="accent2"/>
+              </a:solidFill>
+            </a:ln>
+          </p:spPr>
+          <p:style>
+            <a:lnRef idx="3">
+              <a:schemeClr val="dk1"/>
+            </a:lnRef>
+            <a:fillRef idx="0">
+              <a:schemeClr val="dk1"/>
+            </a:fillRef>
+            <a:effectRef idx="2">
+              <a:schemeClr val="dk1"/>
+            </a:effectRef>
+            <a:fontRef idx="minor">
+              <a:schemeClr val="tx1"/>
+            </a:fontRef>
+          </p:style>
+        </p:cxnSp>
+        <p:sp>
+          <p:nvSpPr>
+            <p:cNvPr id="37" name="TextBox 36">
+              <a:extLst>
+                <a:ext uri="{FF2B5EF4-FFF2-40B4-BE49-F238E27FC236}">
+                  <a16:creationId xmlns:a16="http://schemas.microsoft.com/office/drawing/2014/main" id="{25D01EC7-49AF-B4E8-14B3-023EDFC680B9}"/>
+                </a:ext>
+              </a:extLst>
+            </p:cNvPr>
+            <p:cNvSpPr txBox="1"/>
+            <p:nvPr/>
+          </p:nvSpPr>
+          <p:spPr>
+            <a:xfrm>
+              <a:off x="2014301" y="965718"/>
+              <a:ext cx="1560823" cy="369332"/>
+            </a:xfrm>
+            <a:prstGeom prst="rect">
+              <a:avLst/>
+            </a:prstGeom>
+            <a:noFill/>
+          </p:spPr>
+          <p:txBody>
+            <a:bodyPr wrap="square" rtlCol="0">
+              <a:spAutoFit/>
+            </a:bodyPr>
+            <a:lstStyle/>
+            <a:p>
+              <a:r>
+                <a:rPr lang="en-GB" dirty="0">
+                  <a:latin typeface="Georgia" panose="02040502050405020303" pitchFamily="18" charset="0"/>
+                </a:rPr>
+                <a:t>Unperturbed</a:t>
+              </a:r>
+            </a:p>
+          </p:txBody>
+        </p:sp>
+        <p:sp>
+          <p:nvSpPr>
+            <p:cNvPr id="38" name="TextBox 37">
+              <a:extLst>
+                <a:ext uri="{FF2B5EF4-FFF2-40B4-BE49-F238E27FC236}">
+                  <a16:creationId xmlns:a16="http://schemas.microsoft.com/office/drawing/2014/main" id="{FECA3413-A46B-67DD-9CDF-8DC5069A997B}"/>
+                </a:ext>
+              </a:extLst>
+            </p:cNvPr>
+            <p:cNvSpPr txBox="1"/>
+            <p:nvPr/>
+          </p:nvSpPr>
+          <p:spPr>
+            <a:xfrm>
+              <a:off x="4209068" y="965718"/>
+              <a:ext cx="1253579" cy="369332"/>
+            </a:xfrm>
+            <a:prstGeom prst="rect">
+              <a:avLst/>
+            </a:prstGeom>
+            <a:noFill/>
+          </p:spPr>
+          <p:txBody>
+            <a:bodyPr wrap="square" rtlCol="0">
+              <a:spAutoFit/>
+            </a:bodyPr>
+            <a:lstStyle/>
+            <a:p>
+              <a:r>
+                <a:rPr lang="en-GB" dirty="0">
+                  <a:latin typeface="Georgia" panose="02040502050405020303" pitchFamily="18" charset="0"/>
+                </a:rPr>
+                <a:t>Perturbed</a:t>
+              </a:r>
+            </a:p>
+          </p:txBody>
+        </p:sp>
+        <p:sp>
+          <p:nvSpPr>
+            <p:cNvPr id="39" name="TextBox 38">
+              <a:extLst>
+                <a:ext uri="{FF2B5EF4-FFF2-40B4-BE49-F238E27FC236}">
+                  <a16:creationId xmlns:a16="http://schemas.microsoft.com/office/drawing/2014/main" id="{A7312D56-38D5-89CC-6090-3EB0988C8763}"/>
+                </a:ext>
+              </a:extLst>
+            </p:cNvPr>
+            <p:cNvSpPr txBox="1"/>
+            <p:nvPr/>
+          </p:nvSpPr>
+          <p:spPr>
+            <a:xfrm>
+              <a:off x="1795230" y="3701966"/>
+              <a:ext cx="593505" cy="369332"/>
+            </a:xfrm>
+            <a:prstGeom prst="rect">
+              <a:avLst/>
+            </a:prstGeom>
+            <a:noFill/>
+          </p:spPr>
+          <p:txBody>
+            <a:bodyPr wrap="square" rtlCol="0">
+              <a:spAutoFit/>
+            </a:bodyPr>
+            <a:lstStyle/>
+            <a:p>
+              <a:r>
+                <a:rPr lang="en-GB" dirty="0">
+                  <a:latin typeface="Georgia" panose="02040502050405020303" pitchFamily="18" charset="0"/>
+                </a:rPr>
+                <a:t>E</a:t>
+              </a:r>
+            </a:p>
+          </p:txBody>
+        </p:sp>
+        <p:sp>
+          <p:nvSpPr>
+            <p:cNvPr id="40" name="TextBox 39">
+              <a:extLst>
+                <a:ext uri="{FF2B5EF4-FFF2-40B4-BE49-F238E27FC236}">
+                  <a16:creationId xmlns:a16="http://schemas.microsoft.com/office/drawing/2014/main" id="{4D139FEA-FE6C-1E88-8C64-9E8F088AD208}"/>
+                </a:ext>
+              </a:extLst>
+            </p:cNvPr>
+            <p:cNvSpPr txBox="1"/>
+            <p:nvPr/>
+          </p:nvSpPr>
+          <p:spPr>
+            <a:xfrm>
+              <a:off x="1980071" y="3797823"/>
+              <a:ext cx="408663" cy="276999"/>
+            </a:xfrm>
+            <a:prstGeom prst="rect">
+              <a:avLst/>
+            </a:prstGeom>
+            <a:noFill/>
+            <a:ln>
+              <a:noFill/>
+            </a:ln>
+          </p:spPr>
+          <p:txBody>
+            <a:bodyPr wrap="square" rtlCol="0">
+              <a:spAutoFit/>
+            </a:bodyPr>
+            <a:lstStyle/>
+            <a:p>
+              <a:r>
+                <a:rPr lang="en-GB" sz="1200" dirty="0">
+                  <a:latin typeface="Georgia" panose="02040502050405020303" pitchFamily="18" charset="0"/>
+                </a:rPr>
+                <a:t>1</a:t>
+              </a:r>
+              <a:endParaRPr lang="en-GB" dirty="0">
+                <a:latin typeface="Georgia" panose="02040502050405020303" pitchFamily="18" charset="0"/>
+              </a:endParaRPr>
+            </a:p>
+          </p:txBody>
+        </p:sp>
+        <p:sp>
+          <p:nvSpPr>
+            <p:cNvPr id="41" name="TextBox 40">
+              <a:extLst>
+                <a:ext uri="{FF2B5EF4-FFF2-40B4-BE49-F238E27FC236}">
+                  <a16:creationId xmlns:a16="http://schemas.microsoft.com/office/drawing/2014/main" id="{64C7364D-110F-AA82-3B12-C7573309C560}"/>
+                </a:ext>
+              </a:extLst>
+            </p:cNvPr>
+            <p:cNvSpPr txBox="1"/>
+            <p:nvPr/>
+          </p:nvSpPr>
+          <p:spPr>
+            <a:xfrm>
+              <a:off x="1795230" y="3049599"/>
+              <a:ext cx="593505" cy="369332"/>
+            </a:xfrm>
+            <a:prstGeom prst="rect">
+              <a:avLst/>
+            </a:prstGeom>
+            <a:noFill/>
+          </p:spPr>
+          <p:txBody>
+            <a:bodyPr wrap="square" rtlCol="0">
+              <a:spAutoFit/>
+            </a:bodyPr>
+            <a:lstStyle/>
+            <a:p>
+              <a:r>
+                <a:rPr lang="en-GB" dirty="0">
+                  <a:latin typeface="Georgia" panose="02040502050405020303" pitchFamily="18" charset="0"/>
+                </a:rPr>
+                <a:t>E</a:t>
+              </a:r>
+            </a:p>
+          </p:txBody>
+        </p:sp>
+        <p:sp>
+          <p:nvSpPr>
+            <p:cNvPr id="42" name="TextBox 41">
+              <a:extLst>
+                <a:ext uri="{FF2B5EF4-FFF2-40B4-BE49-F238E27FC236}">
+                  <a16:creationId xmlns:a16="http://schemas.microsoft.com/office/drawing/2014/main" id="{7A7164E0-799A-943D-7498-12F3DCEAF64A}"/>
+                </a:ext>
+              </a:extLst>
+            </p:cNvPr>
+            <p:cNvSpPr txBox="1"/>
+            <p:nvPr/>
+          </p:nvSpPr>
+          <p:spPr>
+            <a:xfrm>
+              <a:off x="1980071" y="3145456"/>
+              <a:ext cx="408663" cy="276999"/>
+            </a:xfrm>
+            <a:prstGeom prst="rect">
+              <a:avLst/>
+            </a:prstGeom>
+            <a:noFill/>
+            <a:ln>
+              <a:noFill/>
+            </a:ln>
+          </p:spPr>
+          <p:txBody>
+            <a:bodyPr wrap="square" rtlCol="0">
+              <a:spAutoFit/>
+            </a:bodyPr>
+            <a:lstStyle/>
+            <a:p>
+              <a:r>
+                <a:rPr lang="en-GB" sz="1200" dirty="0">
+                  <a:latin typeface="Georgia" panose="02040502050405020303" pitchFamily="18" charset="0"/>
+                </a:rPr>
+                <a:t>2</a:t>
+              </a:r>
+              <a:endParaRPr lang="en-GB" dirty="0">
+                <a:latin typeface="Georgia" panose="02040502050405020303" pitchFamily="18" charset="0"/>
+              </a:endParaRPr>
+            </a:p>
+          </p:txBody>
+        </p:sp>
+        <p:cxnSp>
+          <p:nvCxnSpPr>
+            <p:cNvPr id="57" name="Straight Connector 56">
+              <a:extLst>
+                <a:ext uri="{FF2B5EF4-FFF2-40B4-BE49-F238E27FC236}">
+                  <a16:creationId xmlns:a16="http://schemas.microsoft.com/office/drawing/2014/main" id="{023AC065-18F6-2316-6B6B-04D2E7C4BA11}"/>
+                </a:ext>
+              </a:extLst>
+            </p:cNvPr>
+            <p:cNvCxnSpPr>
+              <a:cxnSpLocks/>
+            </p:cNvCxnSpPr>
+            <p:nvPr/>
+          </p:nvCxnSpPr>
+          <p:spPr>
+            <a:xfrm>
+              <a:off x="2284566" y="2975989"/>
+              <a:ext cx="1083397" cy="1095308"/>
+            </a:xfrm>
+            <a:prstGeom prst="line">
+              <a:avLst/>
+            </a:prstGeom>
+            <a:ln w="28575">
+              <a:solidFill>
+                <a:schemeClr val="accent1"/>
+              </a:solidFill>
+            </a:ln>
+          </p:spPr>
+          <p:style>
+            <a:lnRef idx="3">
+              <a:schemeClr val="dk1"/>
+            </a:lnRef>
+            <a:fillRef idx="0">
+              <a:schemeClr val="dk1"/>
+            </a:fillRef>
+            <a:effectRef idx="2">
+              <a:schemeClr val="dk1"/>
+            </a:effectRef>
+            <a:fontRef idx="minor">
+              <a:schemeClr val="tx1"/>
+            </a:fontRef>
+          </p:style>
+        </p:cxnSp>
+        <p:cxnSp>
+          <p:nvCxnSpPr>
+            <p:cNvPr id="62" name="Straight Connector 61">
+              <a:extLst>
+                <a:ext uri="{FF2B5EF4-FFF2-40B4-BE49-F238E27FC236}">
+                  <a16:creationId xmlns:a16="http://schemas.microsoft.com/office/drawing/2014/main" id="{B4332DA5-52E1-3811-A19D-759E58CFDC3E}"/>
+                </a:ext>
+              </a:extLst>
+            </p:cNvPr>
+            <p:cNvCxnSpPr>
+              <a:cxnSpLocks/>
+            </p:cNvCxnSpPr>
+            <p:nvPr/>
+          </p:nvCxnSpPr>
+          <p:spPr>
+            <a:xfrm flipV="1">
+              <a:off x="4197158" y="2968924"/>
+              <a:ext cx="1095307" cy="1104831"/>
+            </a:xfrm>
+            <a:prstGeom prst="line">
+              <a:avLst/>
+            </a:prstGeom>
+            <a:ln w="22225">
+              <a:solidFill>
+                <a:schemeClr val="accent2"/>
+              </a:solidFill>
+              <a:prstDash val="sysDash"/>
+            </a:ln>
+          </p:spPr>
+          <p:style>
+            <a:lnRef idx="3">
+              <a:schemeClr val="dk1"/>
+            </a:lnRef>
+            <a:fillRef idx="0">
+              <a:schemeClr val="dk1"/>
+            </a:fillRef>
+            <a:effectRef idx="2">
+              <a:schemeClr val="dk1"/>
+            </a:effectRef>
+            <a:fontRef idx="minor">
+              <a:schemeClr val="tx1"/>
+            </a:fontRef>
+          </p:style>
+        </p:cxnSp>
+        <p:cxnSp>
+          <p:nvCxnSpPr>
+            <p:cNvPr id="63" name="Straight Connector 62">
+              <a:extLst>
+                <a:ext uri="{FF2B5EF4-FFF2-40B4-BE49-F238E27FC236}">
+                  <a16:creationId xmlns:a16="http://schemas.microsoft.com/office/drawing/2014/main" id="{A43FD4A0-4114-03EF-7CC3-DFBEB3039994}"/>
+                </a:ext>
+              </a:extLst>
+            </p:cNvPr>
+            <p:cNvCxnSpPr>
+              <a:cxnSpLocks/>
+            </p:cNvCxnSpPr>
+            <p:nvPr/>
+          </p:nvCxnSpPr>
+          <p:spPr>
+            <a:xfrm>
+              <a:off x="4209068" y="2974922"/>
+              <a:ext cx="1083397" cy="1095308"/>
+            </a:xfrm>
+            <a:prstGeom prst="line">
+              <a:avLst/>
+            </a:prstGeom>
+            <a:ln w="22225">
+              <a:solidFill>
+                <a:schemeClr val="accent1"/>
+              </a:solidFill>
+              <a:prstDash val="sysDash"/>
+            </a:ln>
+          </p:spPr>
+          <p:style>
+            <a:lnRef idx="3">
+              <a:schemeClr val="dk1"/>
+            </a:lnRef>
+            <a:fillRef idx="0">
+              <a:schemeClr val="dk1"/>
+            </a:fillRef>
+            <a:effectRef idx="2">
+              <a:schemeClr val="dk1"/>
+            </a:effectRef>
+            <a:fontRef idx="minor">
+              <a:schemeClr val="tx1"/>
+            </a:fontRef>
+          </p:style>
+        </p:cxnSp>
+        <p:sp>
+          <p:nvSpPr>
+            <p:cNvPr id="69" name="TextBox 68">
+              <a:extLst>
+                <a:ext uri="{FF2B5EF4-FFF2-40B4-BE49-F238E27FC236}">
+                  <a16:creationId xmlns:a16="http://schemas.microsoft.com/office/drawing/2014/main" id="{84C19127-4879-8A88-B3F8-FDDD885F40E9}"/>
+                </a:ext>
+              </a:extLst>
+            </p:cNvPr>
+            <p:cNvSpPr txBox="1"/>
+            <p:nvPr/>
+          </p:nvSpPr>
+          <p:spPr>
+            <a:xfrm>
+              <a:off x="5357666" y="3704423"/>
+              <a:ext cx="593505" cy="369332"/>
+            </a:xfrm>
+            <a:prstGeom prst="rect">
+              <a:avLst/>
+            </a:prstGeom>
+            <a:noFill/>
+          </p:spPr>
+          <p:txBody>
+            <a:bodyPr wrap="square" rtlCol="0">
+              <a:spAutoFit/>
+            </a:bodyPr>
+            <a:lstStyle/>
+            <a:p>
+              <a:r>
+                <a:rPr lang="en-GB" dirty="0">
+                  <a:latin typeface="Georgia" panose="02040502050405020303" pitchFamily="18" charset="0"/>
+                </a:rPr>
+                <a:t>E ′</a:t>
+              </a:r>
+            </a:p>
+          </p:txBody>
+        </p:sp>
+        <p:sp>
+          <p:nvSpPr>
+            <p:cNvPr id="70" name="TextBox 69">
+              <a:extLst>
+                <a:ext uri="{FF2B5EF4-FFF2-40B4-BE49-F238E27FC236}">
+                  <a16:creationId xmlns:a16="http://schemas.microsoft.com/office/drawing/2014/main" id="{55B8278F-150F-3E5C-ECDF-FD911F6DB009}"/>
+                </a:ext>
+              </a:extLst>
+            </p:cNvPr>
+            <p:cNvSpPr txBox="1"/>
+            <p:nvPr/>
+          </p:nvSpPr>
+          <p:spPr>
+            <a:xfrm>
+              <a:off x="5542507" y="3800280"/>
+              <a:ext cx="408663" cy="276999"/>
+            </a:xfrm>
+            <a:prstGeom prst="rect">
+              <a:avLst/>
+            </a:prstGeom>
+            <a:noFill/>
+            <a:ln>
+              <a:noFill/>
+            </a:ln>
+          </p:spPr>
+          <p:txBody>
+            <a:bodyPr wrap="square" rtlCol="0">
+              <a:spAutoFit/>
+            </a:bodyPr>
+            <a:lstStyle/>
+            <a:p>
+              <a:r>
+                <a:rPr lang="en-GB" sz="1200" dirty="0">
+                  <a:latin typeface="Georgia" panose="02040502050405020303" pitchFamily="18" charset="0"/>
+                </a:rPr>
+                <a:t>1</a:t>
+              </a:r>
+              <a:endParaRPr lang="en-GB" dirty="0">
+                <a:latin typeface="Georgia" panose="02040502050405020303" pitchFamily="18" charset="0"/>
+              </a:endParaRPr>
+            </a:p>
+          </p:txBody>
+        </p:sp>
+        <p:sp>
+          <p:nvSpPr>
+            <p:cNvPr id="71" name="TextBox 70">
+              <a:extLst>
+                <a:ext uri="{FF2B5EF4-FFF2-40B4-BE49-F238E27FC236}">
+                  <a16:creationId xmlns:a16="http://schemas.microsoft.com/office/drawing/2014/main" id="{935EF9A9-E272-368F-BCA7-0CB65CCE6694}"/>
+                </a:ext>
+              </a:extLst>
+            </p:cNvPr>
+            <p:cNvSpPr txBox="1"/>
+            <p:nvPr/>
+          </p:nvSpPr>
+          <p:spPr>
+            <a:xfrm>
+              <a:off x="5357666" y="3052056"/>
+              <a:ext cx="593505" cy="369332"/>
+            </a:xfrm>
+            <a:prstGeom prst="rect">
+              <a:avLst/>
+            </a:prstGeom>
+            <a:noFill/>
+          </p:spPr>
+          <p:txBody>
+            <a:bodyPr wrap="square" rtlCol="0">
+              <a:spAutoFit/>
+            </a:bodyPr>
+            <a:lstStyle/>
+            <a:p>
+              <a:r>
+                <a:rPr lang="en-GB" dirty="0">
+                  <a:latin typeface="Georgia" panose="02040502050405020303" pitchFamily="18" charset="0"/>
+                </a:rPr>
+                <a:t>E ′</a:t>
+              </a:r>
+            </a:p>
+          </p:txBody>
+        </p:sp>
+        <p:sp>
+          <p:nvSpPr>
+            <p:cNvPr id="72" name="TextBox 71">
+              <a:extLst>
+                <a:ext uri="{FF2B5EF4-FFF2-40B4-BE49-F238E27FC236}">
+                  <a16:creationId xmlns:a16="http://schemas.microsoft.com/office/drawing/2014/main" id="{70B90BB2-A70C-EEFA-4DD6-0EC8BE21F238}"/>
+                </a:ext>
+              </a:extLst>
+            </p:cNvPr>
+            <p:cNvSpPr txBox="1"/>
+            <p:nvPr/>
+          </p:nvSpPr>
+          <p:spPr>
+            <a:xfrm>
+              <a:off x="5542507" y="3147913"/>
+              <a:ext cx="408663" cy="276999"/>
+            </a:xfrm>
+            <a:prstGeom prst="rect">
+              <a:avLst/>
+            </a:prstGeom>
+            <a:noFill/>
+            <a:ln>
+              <a:noFill/>
+            </a:ln>
+          </p:spPr>
+          <p:txBody>
+            <a:bodyPr wrap="square" rtlCol="0">
+              <a:spAutoFit/>
+            </a:bodyPr>
+            <a:lstStyle/>
+            <a:p>
+              <a:r>
+                <a:rPr lang="en-GB" sz="1200" dirty="0">
+                  <a:latin typeface="Georgia" panose="02040502050405020303" pitchFamily="18" charset="0"/>
+                </a:rPr>
+                <a:t>2</a:t>
+              </a:r>
+              <a:endParaRPr lang="en-GB" dirty="0">
+                <a:latin typeface="Georgia" panose="02040502050405020303" pitchFamily="18" charset="0"/>
+              </a:endParaRPr>
+            </a:p>
+          </p:txBody>
+        </p:sp>
+        <p:cxnSp>
+          <p:nvCxnSpPr>
+            <p:cNvPr id="78" name="Straight Arrow Connector 77">
+              <a:extLst>
+                <a:ext uri="{FF2B5EF4-FFF2-40B4-BE49-F238E27FC236}">
+                  <a16:creationId xmlns:a16="http://schemas.microsoft.com/office/drawing/2014/main" id="{B30A7652-B3E0-AF88-E58A-C0CC07EBAFF3}"/>
+                </a:ext>
+              </a:extLst>
+            </p:cNvPr>
+            <p:cNvCxnSpPr>
+              <a:cxnSpLocks/>
+            </p:cNvCxnSpPr>
+            <p:nvPr/>
+          </p:nvCxnSpPr>
+          <p:spPr>
+            <a:xfrm>
+              <a:off x="3657628" y="3525065"/>
+              <a:ext cx="460719" cy="0"/>
+            </a:xfrm>
+            <a:prstGeom prst="straightConnector1">
+              <a:avLst/>
+            </a:prstGeom>
+            <a:ln w="38100">
+              <a:solidFill>
+                <a:schemeClr val="tx1"/>
+              </a:solidFill>
+              <a:tailEnd type="triangle"/>
+            </a:ln>
+          </p:spPr>
+          <p:style>
+            <a:lnRef idx="1">
+              <a:schemeClr val="accent1"/>
+            </a:lnRef>
+            <a:fillRef idx="0">
+              <a:schemeClr val="accent1"/>
+            </a:fillRef>
+            <a:effectRef idx="0">
+              <a:schemeClr val="accent1"/>
+            </a:effectRef>
+            <a:fontRef idx="minor">
+              <a:schemeClr val="tx1"/>
+            </a:fontRef>
+          </p:style>
+        </p:cxnSp>
+        <p:sp>
+          <p:nvSpPr>
+            <p:cNvPr id="84" name="Arc 83">
+              <a:extLst>
+                <a:ext uri="{FF2B5EF4-FFF2-40B4-BE49-F238E27FC236}">
+                  <a16:creationId xmlns:a16="http://schemas.microsoft.com/office/drawing/2014/main" id="{D223E852-98A2-6D07-DDDE-6411A610C8AB}"/>
+                </a:ext>
+              </a:extLst>
+            </p:cNvPr>
+            <p:cNvSpPr/>
+            <p:nvPr/>
+          </p:nvSpPr>
+          <p:spPr>
+            <a:xfrm rot="8074089">
+              <a:off x="4015409" y="1739701"/>
+              <a:ext cx="1482789" cy="1467570"/>
+            </a:xfrm>
+            <a:prstGeom prst="arc">
+              <a:avLst/>
+            </a:prstGeom>
+            <a:ln w="28575"/>
+          </p:spPr>
+          <p:style>
+            <a:lnRef idx="1">
+              <a:schemeClr val="accent1"/>
+            </a:lnRef>
+            <a:fillRef idx="0">
+              <a:schemeClr val="accent1"/>
+            </a:fillRef>
+            <a:effectRef idx="0">
+              <a:schemeClr val="accent1"/>
+            </a:effectRef>
+            <a:fontRef idx="minor">
+              <a:schemeClr val="tx1"/>
+            </a:fontRef>
+          </p:style>
+          <p:txBody>
+            <a:bodyPr rtlCol="0" anchor="ctr"/>
+            <a:lstStyle/>
+            <a:p>
+              <a:pPr algn="ctr"/>
+              <a:endParaRPr lang="en-GB"/>
+            </a:p>
+          </p:txBody>
+        </p:sp>
+        <p:sp>
+          <p:nvSpPr>
+            <p:cNvPr id="85" name="Arc 84">
+              <a:extLst>
+                <a:ext uri="{FF2B5EF4-FFF2-40B4-BE49-F238E27FC236}">
+                  <a16:creationId xmlns:a16="http://schemas.microsoft.com/office/drawing/2014/main" id="{73B9FBB9-DF90-4B8D-3775-6AFFE8461BDF}"/>
+                </a:ext>
+              </a:extLst>
+            </p:cNvPr>
+            <p:cNvSpPr/>
+            <p:nvPr/>
+          </p:nvSpPr>
+          <p:spPr>
+            <a:xfrm rot="18900000">
+              <a:off x="4054530" y="3813671"/>
+              <a:ext cx="1473700" cy="1563081"/>
+            </a:xfrm>
+            <a:prstGeom prst="arc">
+              <a:avLst>
+                <a:gd name="adj1" fmla="val 16200000"/>
+                <a:gd name="adj2" fmla="val 21491319"/>
+              </a:avLst>
+            </a:prstGeom>
+            <a:ln w="28575">
+              <a:solidFill>
+                <a:schemeClr val="accent2"/>
+              </a:solidFill>
+            </a:ln>
+          </p:spPr>
+          <p:style>
+            <a:lnRef idx="1">
+              <a:schemeClr val="accent1"/>
+            </a:lnRef>
+            <a:fillRef idx="0">
+              <a:schemeClr val="accent1"/>
+            </a:fillRef>
+            <a:effectRef idx="0">
+              <a:schemeClr val="accent1"/>
+            </a:effectRef>
+            <a:fontRef idx="minor">
+              <a:schemeClr val="tx1"/>
+            </a:fontRef>
+          </p:style>
+          <p:txBody>
+            <a:bodyPr rtlCol="0" anchor="ctr"/>
+            <a:lstStyle/>
+            <a:p>
+              <a:pPr algn="ctr"/>
+              <a:endParaRPr lang="en-GB"/>
+            </a:p>
+          </p:txBody>
+        </p:sp>
+        <p:cxnSp>
+          <p:nvCxnSpPr>
+            <p:cNvPr id="86" name="Straight Connector 85">
+              <a:extLst>
+                <a:ext uri="{FF2B5EF4-FFF2-40B4-BE49-F238E27FC236}">
+                  <a16:creationId xmlns:a16="http://schemas.microsoft.com/office/drawing/2014/main" id="{F76B0289-63BD-DF63-A6F7-03F3FF94F81A}"/>
+                </a:ext>
+              </a:extLst>
+            </p:cNvPr>
+            <p:cNvCxnSpPr>
+              <a:cxnSpLocks/>
+            </p:cNvCxnSpPr>
+            <p:nvPr/>
+          </p:nvCxnSpPr>
+          <p:spPr>
+            <a:xfrm>
+              <a:off x="2455917" y="3526107"/>
+              <a:ext cx="762985" cy="0"/>
+            </a:xfrm>
+            <a:prstGeom prst="line">
+              <a:avLst/>
+            </a:prstGeom>
+            <a:ln w="22225">
+              <a:prstDash val="sysDash"/>
+            </a:ln>
+          </p:spPr>
+          <p:style>
+            <a:lnRef idx="3">
+              <a:schemeClr val="dk1"/>
+            </a:lnRef>
+            <a:fillRef idx="0">
+              <a:schemeClr val="dk1"/>
+            </a:fillRef>
+            <a:effectRef idx="2">
+              <a:schemeClr val="dk1"/>
+            </a:effectRef>
+            <a:fontRef idx="minor">
+              <a:schemeClr val="tx1"/>
+            </a:fontRef>
+          </p:style>
+        </p:cxnSp>
+        <p:cxnSp>
+          <p:nvCxnSpPr>
+            <p:cNvPr id="87" name="Straight Connector 86">
+              <a:extLst>
+                <a:ext uri="{FF2B5EF4-FFF2-40B4-BE49-F238E27FC236}">
+                  <a16:creationId xmlns:a16="http://schemas.microsoft.com/office/drawing/2014/main" id="{6C9AC686-85F4-016A-8207-A8C57FBB4C7E}"/>
+                </a:ext>
+              </a:extLst>
+            </p:cNvPr>
+            <p:cNvCxnSpPr>
+              <a:cxnSpLocks/>
+            </p:cNvCxnSpPr>
+            <p:nvPr/>
+          </p:nvCxnSpPr>
+          <p:spPr>
+            <a:xfrm>
+              <a:off x="4372462" y="3525065"/>
+              <a:ext cx="762985" cy="0"/>
+            </a:xfrm>
+            <a:prstGeom prst="line">
+              <a:avLst/>
+            </a:prstGeom>
+            <a:ln w="22225">
+              <a:prstDash val="sysDash"/>
+            </a:ln>
+          </p:spPr>
+          <p:style>
+            <a:lnRef idx="3">
+              <a:schemeClr val="dk1"/>
+            </a:lnRef>
+            <a:fillRef idx="0">
+              <a:schemeClr val="dk1"/>
+            </a:fillRef>
+            <a:effectRef idx="2">
+              <a:schemeClr val="dk1"/>
+            </a:effectRef>
+            <a:fontRef idx="minor">
+              <a:schemeClr val="tx1"/>
+            </a:fontRef>
+          </p:style>
+        </p:cxnSp>
+      </p:grpSp>
+    </p:spTree>
+    <p:extLst>
+      <p:ext uri="{BB962C8B-B14F-4D97-AF65-F5344CB8AC3E}">
+        <p14:creationId xmlns:p14="http://schemas.microsoft.com/office/powerpoint/2010/main" val="2643926088"/>
       </p:ext>
     </p:extLst>
   </p:cSld>
